--- a/宣道詩/(宣道詩49)流血之泉.pptx
+++ b/宣道詩/(宣道詩49)流血之泉.pptx
@@ -5,16 +5,27 @@
     <p:sldMasterId id="2147483672" r:id="rId1"/>
   </p:sldMasterIdLst>
   <p:sldIdLst>
-    <p:sldId id="256" r:id="rId2"/>
-    <p:sldId id="262" r:id="rId3"/>
-    <p:sldId id="257" r:id="rId4"/>
-    <p:sldId id="263" r:id="rId5"/>
-    <p:sldId id="258" r:id="rId6"/>
-    <p:sldId id="264" r:id="rId7"/>
-    <p:sldId id="259" r:id="rId8"/>
-    <p:sldId id="265" r:id="rId9"/>
-    <p:sldId id="260" r:id="rId10"/>
-    <p:sldId id="261" r:id="rId11"/>
+    <p:sldId id="266" r:id="rId2"/>
+    <p:sldId id="267" r:id="rId3"/>
+    <p:sldId id="268" r:id="rId4"/>
+    <p:sldId id="269" r:id="rId5"/>
+    <p:sldId id="270" r:id="rId6"/>
+    <p:sldId id="271" r:id="rId7"/>
+    <p:sldId id="272" r:id="rId8"/>
+    <p:sldId id="273" r:id="rId9"/>
+    <p:sldId id="274" r:id="rId10"/>
+    <p:sldId id="275" r:id="rId11"/>
+    <p:sldId id="276" r:id="rId12"/>
+    <p:sldId id="277" r:id="rId13"/>
+    <p:sldId id="278" r:id="rId14"/>
+    <p:sldId id="279" r:id="rId15"/>
+    <p:sldId id="280" r:id="rId16"/>
+    <p:sldId id="281" r:id="rId17"/>
+    <p:sldId id="282" r:id="rId18"/>
+    <p:sldId id="283" r:id="rId19"/>
+    <p:sldId id="284" r:id="rId20"/>
+    <p:sldId id="285" r:id="rId21"/>
+    <p:sldId id="286" r:id="rId22"/>
   </p:sldIdLst>
   <p:sldSz cx="12192000" cy="6858000"/>
   <p:notesSz cx="6858000" cy="9144000"/>
@@ -314,7 +325,7 @@
             <a:fld id="{E4FCE795-414F-439F-A50E-CDC6F5D13AFF}" type="datetimeFigureOut">
               <a:rPr lang="zh-TW" altLang="en-US" smtClean="0"/>
               <a:pPr/>
-              <a:t>2020/4/8</a:t>
+              <a:t>2023/8/4</a:t>
             </a:fld>
             <a:endParaRPr lang="zh-TW" altLang="en-US"/>
           </a:p>
@@ -481,7 +492,7 @@
             <a:fld id="{E4FCE795-414F-439F-A50E-CDC6F5D13AFF}" type="datetimeFigureOut">
               <a:rPr lang="zh-TW" altLang="en-US" smtClean="0"/>
               <a:pPr/>
-              <a:t>2020/4/8</a:t>
+              <a:t>2023/8/4</a:t>
             </a:fld>
             <a:endParaRPr lang="zh-TW" altLang="en-US"/>
           </a:p>
@@ -658,7 +669,7 @@
             <a:fld id="{E4FCE795-414F-439F-A50E-CDC6F5D13AFF}" type="datetimeFigureOut">
               <a:rPr lang="zh-TW" altLang="en-US" smtClean="0"/>
               <a:pPr/>
-              <a:t>2020/4/8</a:t>
+              <a:t>2023/8/4</a:t>
             </a:fld>
             <a:endParaRPr lang="zh-TW" altLang="en-US"/>
           </a:p>
@@ -825,7 +836,7 @@
             <a:fld id="{E4FCE795-414F-439F-A50E-CDC6F5D13AFF}" type="datetimeFigureOut">
               <a:rPr lang="zh-TW" altLang="en-US" smtClean="0"/>
               <a:pPr/>
-              <a:t>2020/4/8</a:t>
+              <a:t>2023/8/4</a:t>
             </a:fld>
             <a:endParaRPr lang="zh-TW" altLang="en-US"/>
           </a:p>
@@ -1068,7 +1079,7 @@
             <a:fld id="{E4FCE795-414F-439F-A50E-CDC6F5D13AFF}" type="datetimeFigureOut">
               <a:rPr lang="zh-TW" altLang="en-US" smtClean="0"/>
               <a:pPr/>
-              <a:t>2020/4/8</a:t>
+              <a:t>2023/8/4</a:t>
             </a:fld>
             <a:endParaRPr lang="zh-TW" altLang="en-US"/>
           </a:p>
@@ -1353,7 +1364,7 @@
             <a:fld id="{E4FCE795-414F-439F-A50E-CDC6F5D13AFF}" type="datetimeFigureOut">
               <a:rPr lang="zh-TW" altLang="en-US" smtClean="0"/>
               <a:pPr/>
-              <a:t>2020/4/8</a:t>
+              <a:t>2023/8/4</a:t>
             </a:fld>
             <a:endParaRPr lang="zh-TW" altLang="en-US"/>
           </a:p>
@@ -1772,7 +1783,7 @@
             <a:fld id="{E4FCE795-414F-439F-A50E-CDC6F5D13AFF}" type="datetimeFigureOut">
               <a:rPr lang="zh-TW" altLang="en-US" smtClean="0"/>
               <a:pPr/>
-              <a:t>2020/4/8</a:t>
+              <a:t>2023/8/4</a:t>
             </a:fld>
             <a:endParaRPr lang="zh-TW" altLang="en-US"/>
           </a:p>
@@ -1887,7 +1898,7 @@
             <a:fld id="{E4FCE795-414F-439F-A50E-CDC6F5D13AFF}" type="datetimeFigureOut">
               <a:rPr lang="zh-TW" altLang="en-US" smtClean="0"/>
               <a:pPr/>
-              <a:t>2020/4/8</a:t>
+              <a:t>2023/8/4</a:t>
             </a:fld>
             <a:endParaRPr lang="zh-TW" altLang="en-US"/>
           </a:p>
@@ -1979,7 +1990,7 @@
             <a:fld id="{E4FCE795-414F-439F-A50E-CDC6F5D13AFF}" type="datetimeFigureOut">
               <a:rPr lang="zh-TW" altLang="en-US" smtClean="0"/>
               <a:pPr/>
-              <a:t>2020/4/8</a:t>
+              <a:t>2023/8/4</a:t>
             </a:fld>
             <a:endParaRPr lang="zh-TW" altLang="en-US"/>
           </a:p>
@@ -2253,7 +2264,7 @@
             <a:fld id="{E4FCE795-414F-439F-A50E-CDC6F5D13AFF}" type="datetimeFigureOut">
               <a:rPr lang="zh-TW" altLang="en-US" smtClean="0"/>
               <a:pPr/>
-              <a:t>2020/4/8</a:t>
+              <a:t>2023/8/4</a:t>
             </a:fld>
             <a:endParaRPr lang="zh-TW" altLang="en-US"/>
           </a:p>
@@ -2507,7 +2518,7 @@
             <a:fld id="{E4FCE795-414F-439F-A50E-CDC6F5D13AFF}" type="datetimeFigureOut">
               <a:rPr lang="zh-TW" altLang="en-US" smtClean="0"/>
               <a:pPr/>
-              <a:t>2020/4/8</a:t>
+              <a:t>2023/8/4</a:t>
             </a:fld>
             <a:endParaRPr lang="zh-TW" altLang="en-US"/>
           </a:p>
@@ -2722,7 +2733,7 @@
             <a:fld id="{E4FCE795-414F-439F-A50E-CDC6F5D13AFF}" type="datetimeFigureOut">
               <a:rPr lang="zh-TW" altLang="en-US" smtClean="0"/>
               <a:pPr/>
-              <a:t>2020/4/8</a:t>
+              <a:t>2023/8/4</a:t>
             </a:fld>
             <a:endParaRPr lang="zh-TW" altLang="en-US"/>
           </a:p>
@@ -3103,176 +3114,153 @@
             <p:ph type="title"/>
           </p:nvPr>
         </p:nvSpPr>
-        <p:spPr/>
-        <p:txBody>
-          <a:bodyPr/>
-          <a:lstStyle/>
-          <a:p>
-            <a:r>
-              <a:rPr lang="zh-CN" altLang="en-US" b="1" dirty="0" smtClean="0">
-                <a:solidFill>
-                  <a:srgbClr val="000066"/>
-                </a:solidFill>
+        <p:spPr>
+          <a:xfrm>
+            <a:off x="0" y="2660915"/>
+            <a:ext cx="12192000" cy="1143000"/>
+          </a:xfrm>
+        </p:spPr>
+        <p:txBody>
+          <a:bodyPr>
+            <a:noAutofit/>
+          </a:bodyPr>
+          <a:lstStyle/>
+          <a:p>
+            <a:r>
+              <a:rPr lang="zh-CN" altLang="en-US" sz="5333" b="1" u="sng" dirty="0">
+                <a:solidFill>
+                  <a:srgbClr val="660033"/>
+                </a:solidFill>
+                <a:effectLst>
+                  <a:outerShdw blurRad="38100" dist="38100" dir="2700000" algn="tl">
+                    <a:srgbClr val="000000">
+                      <a:alpha val="43137"/>
+                    </a:srgbClr>
+                  </a:outerShdw>
+                </a:effectLst>
                 <a:latin typeface="微軟正黑體" pitchFamily="34" charset="-120"/>
                 <a:ea typeface="微軟正黑體" pitchFamily="34" charset="-120"/>
               </a:rPr>
-              <a:t>流血之泉</a:t>
-            </a:r>
-            <a:endParaRPr lang="zh-TW" altLang="en-US" b="1" dirty="0">
+              <a:t>宣道詩 </a:t>
+            </a:r>
+            <a:r>
+              <a:rPr lang="en-US" altLang="zh-CN" sz="5333" b="1" u="sng" dirty="0">
+                <a:solidFill>
+                  <a:srgbClr val="660033"/>
+                </a:solidFill>
+                <a:effectLst>
+                  <a:outerShdw blurRad="38100" dist="38100" dir="2700000" algn="tl">
+                    <a:srgbClr val="000000">
+                      <a:alpha val="43137"/>
+                    </a:srgbClr>
+                  </a:outerShdw>
+                </a:effectLst>
+                <a:latin typeface="微軟正黑體" pitchFamily="34" charset="-120"/>
+                <a:ea typeface="微軟正黑體" pitchFamily="34" charset="-120"/>
+              </a:rPr>
+              <a:t>49</a:t>
+            </a:r>
+            <a:r>
+              <a:rPr lang="en-US" altLang="zh-CN" sz="7200" b="1" i="1" dirty="0">
+                <a:solidFill>
+                  <a:srgbClr val="660033"/>
+                </a:solidFill>
+                <a:effectLst>
+                  <a:outerShdw blurRad="38100" dist="38100" dir="2700000" algn="tl">
+                    <a:srgbClr val="000000">
+                      <a:alpha val="43137"/>
+                    </a:srgbClr>
+                  </a:outerShdw>
+                </a:effectLst>
+                <a:latin typeface="微軟正黑體" pitchFamily="34" charset="-120"/>
+                <a:ea typeface="微軟正黑體" pitchFamily="34" charset="-120"/>
+              </a:rPr>
+              <a:t/>
+            </a:r>
+            <a:br>
+              <a:rPr lang="en-US" altLang="zh-CN" sz="7200" b="1" i="1" dirty="0">
+                <a:solidFill>
+                  <a:srgbClr val="660033"/>
+                </a:solidFill>
+                <a:effectLst>
+                  <a:outerShdw blurRad="38100" dist="38100" dir="2700000" algn="tl">
+                    <a:srgbClr val="000000">
+                      <a:alpha val="43137"/>
+                    </a:srgbClr>
+                  </a:outerShdw>
+                </a:effectLst>
+                <a:latin typeface="微軟正黑體" pitchFamily="34" charset="-120"/>
+                <a:ea typeface="微軟正黑體" pitchFamily="34" charset="-120"/>
+              </a:rPr>
+            </a:br>
+            <a:r>
+              <a:rPr lang="zh-CN" altLang="en-US" sz="8000" b="1" dirty="0">
+                <a:solidFill>
+                  <a:srgbClr val="000066"/>
+                </a:solidFill>
+                <a:effectLst>
+                  <a:outerShdw blurRad="38100" dist="38100" dir="2700000" algn="tl">
+                    <a:srgbClr val="000000">
+                      <a:alpha val="43137"/>
+                    </a:srgbClr>
+                  </a:outerShdw>
+                </a:effectLst>
+                <a:latin typeface="微軟正黑體" pitchFamily="34" charset="-120"/>
+                <a:ea typeface="微軟正黑體" pitchFamily="34" charset="-120"/>
+              </a:rPr>
+              <a:t>流</a:t>
+            </a:r>
+            <a:r>
+              <a:rPr lang="zh-CN" altLang="en-US" sz="8000" b="1" dirty="0">
+                <a:solidFill>
+                  <a:srgbClr val="000066"/>
+                </a:solidFill>
+                <a:effectLst>
+                  <a:outerShdw blurRad="38100" dist="38100" dir="2700000" algn="tl">
+                    <a:srgbClr val="000000">
+                      <a:alpha val="43137"/>
+                    </a:srgbClr>
+                  </a:outerShdw>
+                </a:effectLst>
+                <a:latin typeface="微軟正黑體" pitchFamily="34" charset="-120"/>
+                <a:ea typeface="微軟正黑體" pitchFamily="34" charset="-120"/>
+              </a:rPr>
+              <a:t>血之泉</a:t>
+            </a:r>
+            <a:endParaRPr lang="zh-TW" altLang="en-US" sz="8000" b="1" dirty="0">
               <a:solidFill>
                 <a:srgbClr val="000066"/>
               </a:solidFill>
+              <a:effectLst>
+                <a:outerShdw blurRad="38100" dist="38100" dir="2700000" algn="tl">
+                  <a:srgbClr val="000000">
+                    <a:alpha val="43137"/>
+                  </a:srgbClr>
+                </a:outerShdw>
+              </a:effectLst>
               <a:latin typeface="微軟正黑體" pitchFamily="34" charset="-120"/>
               <a:ea typeface="微軟正黑體" pitchFamily="34" charset="-120"/>
             </a:endParaRPr>
           </a:p>
         </p:txBody>
       </p:sp>
-      <p:sp>
-        <p:nvSpPr>
-          <p:cNvPr id="5" name="內容版面配置區 4"/>
-          <p:cNvSpPr>
-            <a:spLocks noGrp="1"/>
-          </p:cNvSpPr>
-          <p:nvPr>
-            <p:ph idx="1"/>
-          </p:nvPr>
-        </p:nvSpPr>
-        <p:spPr/>
-        <p:txBody>
-          <a:bodyPr>
-            <a:normAutofit/>
-          </a:bodyPr>
-          <a:lstStyle/>
-          <a:p>
-            <a:pPr algn="ctr">
-              <a:buNone/>
-            </a:pPr>
-            <a:r>
-              <a:rPr lang="zh-CN" altLang="en-US" sz="5400" b="1" dirty="0">
-                <a:solidFill>
-                  <a:srgbClr val="000066"/>
-                </a:solidFill>
-                <a:latin typeface="微軟正黑體" pitchFamily="34" charset="-120"/>
-                <a:ea typeface="微軟正黑體" pitchFamily="34" charset="-120"/>
-              </a:rPr>
-              <a:t>今有一處流血之泉</a:t>
-            </a:r>
-            <a:endParaRPr lang="zh-TW" altLang="en-US" sz="5400" b="1" dirty="0">
-              <a:solidFill>
-                <a:srgbClr val="000066"/>
-              </a:solidFill>
-              <a:latin typeface="微軟正黑體" pitchFamily="34" charset="-120"/>
-              <a:ea typeface="微軟正黑體" pitchFamily="34" charset="-120"/>
-            </a:endParaRPr>
-          </a:p>
-          <a:p>
-            <a:pPr algn="ctr">
-              <a:buNone/>
-            </a:pPr>
-            <a:r>
-              <a:rPr lang="zh-TW" altLang="en-US" sz="5400" b="1" dirty="0">
-                <a:solidFill>
-                  <a:srgbClr val="000066"/>
-                </a:solidFill>
-                <a:latin typeface="微軟正黑體" pitchFamily="34" charset="-120"/>
-                <a:ea typeface="微軟正黑體" pitchFamily="34" charset="-120"/>
-              </a:rPr>
-              <a:t>從耶穌身發源</a:t>
-            </a:r>
-          </a:p>
-          <a:p>
-            <a:pPr algn="ctr">
-              <a:buNone/>
-            </a:pPr>
-            <a:r>
-              <a:rPr lang="zh-TW" altLang="en-US" sz="5400" b="1" dirty="0">
-                <a:solidFill>
-                  <a:srgbClr val="000066"/>
-                </a:solidFill>
-                <a:latin typeface="微軟正黑體" pitchFamily="34" charset="-120"/>
-                <a:ea typeface="微軟正黑體" pitchFamily="34" charset="-120"/>
-              </a:rPr>
-              <a:t>罪人只要在此一洗</a:t>
-            </a:r>
-          </a:p>
-          <a:p>
-            <a:pPr algn="ctr">
-              <a:buNone/>
-            </a:pPr>
-            <a:r>
-              <a:rPr lang="zh-CN" altLang="en-US" sz="5400" b="1" dirty="0">
-                <a:solidFill>
-                  <a:srgbClr val="000066"/>
-                </a:solidFill>
-                <a:latin typeface="微軟正黑體" pitchFamily="34" charset="-120"/>
-                <a:ea typeface="微軟正黑體" pitchFamily="34" charset="-120"/>
-              </a:rPr>
-              <a:t>能去全身罪</a:t>
-            </a:r>
-            <a:r>
-              <a:rPr lang="zh-CN" altLang="en-US" sz="5400" b="1" dirty="0">
-                <a:solidFill>
-                  <a:srgbClr val="000066"/>
-                </a:solidFill>
-                <a:latin typeface="微軟正黑體" pitchFamily="34" charset="-120"/>
-                <a:ea typeface="微軟正黑體" pitchFamily="34" charset="-120"/>
-              </a:rPr>
-              <a:t>愆</a:t>
-            </a:r>
-            <a:endParaRPr lang="zh-TW" altLang="en-US" sz="5400" b="1" dirty="0">
-              <a:solidFill>
-                <a:srgbClr val="000066"/>
-              </a:solidFill>
-              <a:latin typeface="微軟正黑體" pitchFamily="34" charset="-120"/>
-              <a:ea typeface="微軟正黑體" pitchFamily="34" charset="-120"/>
-            </a:endParaRPr>
-          </a:p>
-        </p:txBody>
-      </p:sp>
-      <p:sp>
-        <p:nvSpPr>
-          <p:cNvPr id="2" name="TextBox 1"/>
-          <p:cNvSpPr txBox="1"/>
-          <p:nvPr/>
-        </p:nvSpPr>
-        <p:spPr>
-          <a:xfrm>
-            <a:off x="1703512" y="1579420"/>
-            <a:ext cx="1152128" cy="1015663"/>
-          </a:xfrm>
-          <a:prstGeom prst="rect">
-            <a:avLst/>
-          </a:prstGeom>
-          <a:noFill/>
-        </p:spPr>
-        <p:txBody>
-          <a:bodyPr wrap="square" rtlCol="0">
-            <a:spAutoFit/>
-          </a:bodyPr>
-          <a:lstStyle/>
-          <a:p>
-            <a:r>
-              <a:rPr lang="en-US" sz="6000" b="1" dirty="0" smtClean="0">
-                <a:solidFill>
-                  <a:srgbClr val="000066"/>
-                </a:solidFill>
-              </a:rPr>
-              <a:t>1.</a:t>
-            </a:r>
-            <a:endParaRPr lang="vi-VN" sz="6000" b="1" dirty="0">
-              <a:solidFill>
-                <a:srgbClr val="000066"/>
-              </a:solidFill>
-            </a:endParaRPr>
-          </a:p>
-        </p:txBody>
-      </p:sp>
     </p:spTree>
+    <p:extLst>
+      <p:ext uri="{BB962C8B-B14F-4D97-AF65-F5344CB8AC3E}">
+        <p14:creationId xmlns:p14="http://schemas.microsoft.com/office/powerpoint/2010/main" val="1008578528"/>
+      </p:ext>
+    </p:extLst>
   </p:cSld>
   <p:clrMapOvr>
     <a:masterClrMapping/>
   </p:clrMapOvr>
+  <p:timing>
+    <p:tnLst>
+      <p:par>
+        <p:cTn id="1" dur="indefinite" restart="never" nodeType="tmRoot"/>
+      </p:par>
+    </p:tnLst>
+  </p:timing>
 </p:sld>
 </file>
 
@@ -3295,30 +3283,55 @@
       </p:grpSpPr>
       <p:sp>
         <p:nvSpPr>
-          <p:cNvPr id="4" name="標題 3"/>
-          <p:cNvSpPr>
-            <a:spLocks noGrp="1"/>
-          </p:cNvSpPr>
-          <p:nvPr>
-            <p:ph type="title"/>
-          </p:nvPr>
-        </p:nvSpPr>
-        <p:spPr/>
-        <p:txBody>
-          <a:bodyPr/>
-          <a:lstStyle/>
-          <a:p>
-            <a:r>
-              <a:rPr lang="zh-CN" altLang="en-US" b="1" dirty="0" smtClean="0">
+          <p:cNvPr id="5" name="內容版面配置區 4"/>
+          <p:cNvSpPr>
+            <a:spLocks noGrp="1"/>
+          </p:cNvSpPr>
+          <p:nvPr>
+            <p:ph idx="1"/>
+          </p:nvPr>
+        </p:nvSpPr>
+        <p:spPr>
+          <a:xfrm>
+            <a:off x="0" y="2084851"/>
+            <a:ext cx="12192000" cy="2404863"/>
+          </a:xfrm>
+        </p:spPr>
+        <p:txBody>
+          <a:bodyPr anchor="ctr">
+            <a:normAutofit/>
+          </a:bodyPr>
+          <a:lstStyle/>
+          <a:p>
+            <a:pPr algn="ctr">
+              <a:buNone/>
+            </a:pPr>
+            <a:r>
+              <a:rPr lang="zh-TW" altLang="en-US" sz="6400" b="1" dirty="0">
                 <a:solidFill>
                   <a:srgbClr val="000066"/>
                 </a:solidFill>
                 <a:latin typeface="微軟正黑體" pitchFamily="34" charset="-120"/>
                 <a:ea typeface="微軟正黑體" pitchFamily="34" charset="-120"/>
               </a:rPr>
-              <a:t>流血之泉</a:t>
-            </a:r>
-            <a:endParaRPr lang="zh-TW" altLang="en-US" b="1" dirty="0">
+              <a:t>親愛救主你寶貝血</a:t>
+            </a:r>
+          </a:p>
+          <a:p>
+            <a:pPr algn="ctr">
+              <a:buNone/>
+            </a:pPr>
+            <a:r>
+              <a:rPr lang="zh-TW" altLang="en-US" sz="6400" b="1" dirty="0">
+                <a:solidFill>
+                  <a:srgbClr val="000066"/>
+                </a:solidFill>
+                <a:latin typeface="微軟正黑體" pitchFamily="34" charset="-120"/>
+                <a:ea typeface="微軟正黑體" pitchFamily="34" charset="-120"/>
+              </a:rPr>
+              <a:t>永世不會失效</a:t>
+            </a:r>
+            <a:endParaRPr lang="zh-TW" altLang="en-US" sz="6400" b="1" dirty="0">
               <a:solidFill>
                 <a:srgbClr val="000066"/>
               </a:solidFill>
@@ -3330,6 +3343,82 @@
       </p:sp>
       <p:sp>
         <p:nvSpPr>
+          <p:cNvPr id="3" name="TextBox 2"/>
+          <p:cNvSpPr txBox="1"/>
+          <p:nvPr/>
+        </p:nvSpPr>
+        <p:spPr>
+          <a:xfrm>
+            <a:off x="0" y="5061181"/>
+            <a:ext cx="12192000" cy="666786"/>
+          </a:xfrm>
+          <a:prstGeom prst="rect">
+            <a:avLst/>
+          </a:prstGeom>
+          <a:noFill/>
+        </p:spPr>
+        <p:txBody>
+          <a:bodyPr wrap="square" rtlCol="0">
+            <a:spAutoFit/>
+          </a:bodyPr>
+          <a:lstStyle/>
+          <a:p>
+            <a:pPr algn="ctr"/>
+            <a:r>
+              <a:rPr lang="en-US" sz="3733" b="1" dirty="0">
+                <a:solidFill>
+                  <a:srgbClr val="000066"/>
+                </a:solidFill>
+              </a:rPr>
+              <a:t>( 3 / 5 )</a:t>
+            </a:r>
+            <a:endParaRPr lang="vi-VN" sz="3733" b="1" dirty="0">
+              <a:solidFill>
+                <a:srgbClr val="000066"/>
+              </a:solidFill>
+            </a:endParaRPr>
+          </a:p>
+        </p:txBody>
+      </p:sp>
+    </p:spTree>
+    <p:extLst>
+      <p:ext uri="{BB962C8B-B14F-4D97-AF65-F5344CB8AC3E}">
+        <p14:creationId xmlns:p14="http://schemas.microsoft.com/office/powerpoint/2010/main" val="1012545589"/>
+      </p:ext>
+    </p:extLst>
+  </p:cSld>
+  <p:clrMapOvr>
+    <a:masterClrMapping/>
+  </p:clrMapOvr>
+  <p:timing>
+    <p:tnLst>
+      <p:par>
+        <p:cTn id="1" dur="indefinite" restart="never" nodeType="tmRoot"/>
+      </p:par>
+    </p:tnLst>
+  </p:timing>
+</p:sld>
+</file>
+
+<file path=ppt/slides/slide11.xml><?xml version="1.0" encoding="utf-8"?>
+<p:sld xmlns:a="http://schemas.openxmlformats.org/drawingml/2006/main" xmlns:r="http://schemas.openxmlformats.org/officeDocument/2006/relationships" xmlns:p="http://schemas.openxmlformats.org/presentationml/2006/main">
+  <p:cSld>
+    <p:spTree>
+      <p:nvGrpSpPr>
+        <p:cNvPr id="1" name=""/>
+        <p:cNvGrpSpPr/>
+        <p:nvPr/>
+      </p:nvGrpSpPr>
+      <p:grpSpPr>
+        <a:xfrm>
+          <a:off x="0" y="0"/>
+          <a:ext cx="0" cy="0"/>
+          <a:chOff x="0" y="0"/>
+          <a:chExt cx="0" cy="0"/>
+        </a:xfrm>
+      </p:grpSpPr>
+      <p:sp>
+        <p:nvSpPr>
           <p:cNvPr id="5" name="內容版面配置區 4"/>
           <p:cNvSpPr>
             <a:spLocks noGrp="1"/>
@@ -3338,9 +3427,14 @@
             <p:ph idx="1"/>
           </p:nvPr>
         </p:nvSpPr>
-        <p:spPr/>
-        <p:txBody>
-          <a:bodyPr>
+        <p:spPr>
+          <a:xfrm>
+            <a:off x="0" y="2084851"/>
+            <a:ext cx="12192000" cy="2404863"/>
+          </a:xfrm>
+        </p:spPr>
+        <p:txBody>
+          <a:bodyPr anchor="ctr">
             <a:normAutofit/>
           </a:bodyPr>
           <a:lstStyle/>
@@ -3349,14 +3443,14 @@
               <a:buNone/>
             </a:pPr>
             <a:r>
-              <a:rPr lang="zh-TW" altLang="en-US" sz="5400" b="1" dirty="0">
+              <a:rPr lang="zh-TW" altLang="en-US" sz="6400" b="1" dirty="0">
                 <a:solidFill>
                   <a:srgbClr val="000066"/>
                 </a:solidFill>
                 <a:latin typeface="微軟正黑體" pitchFamily="34" charset="-120"/>
                 <a:ea typeface="微軟正黑體" pitchFamily="34" charset="-120"/>
               </a:rPr>
-              <a:t>我心相信 我真相信</a:t>
+              <a:t>直到天父救贖眾民</a:t>
             </a:r>
           </a:p>
           <a:p>
@@ -3364,7 +3458,143 @@
               <a:buNone/>
             </a:pPr>
             <a:r>
-              <a:rPr lang="zh-TW" altLang="en-US" sz="5400" b="1" dirty="0">
+              <a:rPr lang="zh-TW" altLang="en-US" sz="6400" b="1" dirty="0">
+                <a:solidFill>
+                  <a:srgbClr val="000066"/>
+                </a:solidFill>
+                <a:latin typeface="微軟正黑體" pitchFamily="34" charset="-120"/>
+                <a:ea typeface="微軟正黑體" pitchFamily="34" charset="-120"/>
+              </a:rPr>
+              <a:t>罪惡一概洗掉</a:t>
+            </a:r>
+            <a:endParaRPr lang="zh-TW" altLang="en-US" sz="6400" b="1" dirty="0">
+              <a:solidFill>
+                <a:srgbClr val="000066"/>
+              </a:solidFill>
+              <a:latin typeface="微軟正黑體" pitchFamily="34" charset="-120"/>
+              <a:ea typeface="微軟正黑體" pitchFamily="34" charset="-120"/>
+            </a:endParaRPr>
+          </a:p>
+        </p:txBody>
+      </p:sp>
+      <p:sp>
+        <p:nvSpPr>
+          <p:cNvPr id="3" name="TextBox 2"/>
+          <p:cNvSpPr txBox="1"/>
+          <p:nvPr/>
+        </p:nvSpPr>
+        <p:spPr>
+          <a:xfrm>
+            <a:off x="0" y="5061181"/>
+            <a:ext cx="12192000" cy="666786"/>
+          </a:xfrm>
+          <a:prstGeom prst="rect">
+            <a:avLst/>
+          </a:prstGeom>
+          <a:noFill/>
+        </p:spPr>
+        <p:txBody>
+          <a:bodyPr wrap="square" rtlCol="0">
+            <a:spAutoFit/>
+          </a:bodyPr>
+          <a:lstStyle/>
+          <a:p>
+            <a:pPr algn="ctr"/>
+            <a:r>
+              <a:rPr lang="en-US" sz="3733" b="1" dirty="0">
+                <a:solidFill>
+                  <a:srgbClr val="000066"/>
+                </a:solidFill>
+              </a:rPr>
+              <a:t>( 3 / 5 )</a:t>
+            </a:r>
+            <a:endParaRPr lang="vi-VN" sz="3733" b="1" dirty="0">
+              <a:solidFill>
+                <a:srgbClr val="000066"/>
+              </a:solidFill>
+            </a:endParaRPr>
+          </a:p>
+        </p:txBody>
+      </p:sp>
+    </p:spTree>
+    <p:extLst>
+      <p:ext uri="{BB962C8B-B14F-4D97-AF65-F5344CB8AC3E}">
+        <p14:creationId xmlns:p14="http://schemas.microsoft.com/office/powerpoint/2010/main" val="2688295756"/>
+      </p:ext>
+    </p:extLst>
+  </p:cSld>
+  <p:clrMapOvr>
+    <a:masterClrMapping/>
+  </p:clrMapOvr>
+  <p:timing>
+    <p:tnLst>
+      <p:par>
+        <p:cTn id="1" dur="indefinite" restart="never" nodeType="tmRoot"/>
+      </p:par>
+    </p:tnLst>
+  </p:timing>
+</p:sld>
+</file>
+
+<file path=ppt/slides/slide12.xml><?xml version="1.0" encoding="utf-8"?>
+<p:sld xmlns:a="http://schemas.openxmlformats.org/drawingml/2006/main" xmlns:r="http://schemas.openxmlformats.org/officeDocument/2006/relationships" xmlns:p="http://schemas.openxmlformats.org/presentationml/2006/main">
+  <p:cSld>
+    <p:spTree>
+      <p:nvGrpSpPr>
+        <p:cNvPr id="1" name=""/>
+        <p:cNvGrpSpPr/>
+        <p:nvPr/>
+      </p:nvGrpSpPr>
+      <p:grpSpPr>
+        <a:xfrm>
+          <a:off x="0" y="0"/>
+          <a:ext cx="0" cy="0"/>
+          <a:chOff x="0" y="0"/>
+          <a:chExt cx="0" cy="0"/>
+        </a:xfrm>
+      </p:grpSpPr>
+      <p:sp>
+        <p:nvSpPr>
+          <p:cNvPr id="5" name="內容版面配置區 4"/>
+          <p:cNvSpPr>
+            <a:spLocks noGrp="1"/>
+          </p:cNvSpPr>
+          <p:nvPr>
+            <p:ph idx="1"/>
+          </p:nvPr>
+        </p:nvSpPr>
+        <p:spPr>
+          <a:xfrm>
+            <a:off x="0" y="2084851"/>
+            <a:ext cx="12192000" cy="2404863"/>
+          </a:xfrm>
+        </p:spPr>
+        <p:txBody>
+          <a:bodyPr anchor="ctr">
+            <a:normAutofit/>
+          </a:bodyPr>
+          <a:lstStyle/>
+          <a:p>
+            <a:pPr algn="ctr">
+              <a:buNone/>
+            </a:pPr>
+            <a:r>
+              <a:rPr lang="zh-TW" altLang="en-US" sz="6400" b="1" dirty="0">
+                <a:solidFill>
+                  <a:srgbClr val="000066"/>
+                </a:solidFill>
+                <a:latin typeface="微軟正黑體" pitchFamily="34" charset="-120"/>
+                <a:ea typeface="微軟正黑體" pitchFamily="34" charset="-120"/>
+              </a:rPr>
+              <a:t>我心相信  我真相信</a:t>
+            </a:r>
+          </a:p>
+          <a:p>
+            <a:pPr algn="ctr">
+              <a:buNone/>
+            </a:pPr>
+            <a:r>
+              <a:rPr lang="zh-TW" altLang="en-US" sz="6400" b="1" dirty="0">
                 <a:solidFill>
                   <a:srgbClr val="000066"/>
                 </a:solidFill>
@@ -3373,13 +3603,80 @@
               </a:rPr>
               <a:t>耶穌替我受害</a:t>
             </a:r>
-          </a:p>
+            <a:endParaRPr lang="zh-TW" altLang="en-US" sz="6400" b="1" dirty="0">
+              <a:solidFill>
+                <a:srgbClr val="000066"/>
+              </a:solidFill>
+              <a:latin typeface="微軟正黑體" pitchFamily="34" charset="-120"/>
+              <a:ea typeface="微軟正黑體" pitchFamily="34" charset="-120"/>
+            </a:endParaRPr>
+          </a:p>
+        </p:txBody>
+      </p:sp>
+    </p:spTree>
+    <p:extLst>
+      <p:ext uri="{BB962C8B-B14F-4D97-AF65-F5344CB8AC3E}">
+        <p14:creationId xmlns:p14="http://schemas.microsoft.com/office/powerpoint/2010/main" val="2166987516"/>
+      </p:ext>
+    </p:extLst>
+  </p:cSld>
+  <p:clrMapOvr>
+    <a:masterClrMapping/>
+  </p:clrMapOvr>
+  <p:timing>
+    <p:tnLst>
+      <p:par>
+        <p:cTn id="1" dur="indefinite" restart="never" nodeType="tmRoot"/>
+      </p:par>
+    </p:tnLst>
+  </p:timing>
+</p:sld>
+</file>
+
+<file path=ppt/slides/slide13.xml><?xml version="1.0" encoding="utf-8"?>
+<p:sld xmlns:a="http://schemas.openxmlformats.org/drawingml/2006/main" xmlns:r="http://schemas.openxmlformats.org/officeDocument/2006/relationships" xmlns:p="http://schemas.openxmlformats.org/presentationml/2006/main">
+  <p:cSld>
+    <p:spTree>
+      <p:nvGrpSpPr>
+        <p:cNvPr id="1" name=""/>
+        <p:cNvGrpSpPr/>
+        <p:nvPr/>
+      </p:nvGrpSpPr>
+      <p:grpSpPr>
+        <a:xfrm>
+          <a:off x="0" y="0"/>
+          <a:ext cx="0" cy="0"/>
+          <a:chOff x="0" y="0"/>
+          <a:chExt cx="0" cy="0"/>
+        </a:xfrm>
+      </p:grpSpPr>
+      <p:sp>
+        <p:nvSpPr>
+          <p:cNvPr id="5" name="內容版面配置區 4"/>
+          <p:cNvSpPr>
+            <a:spLocks noGrp="1"/>
+          </p:cNvSpPr>
+          <p:nvPr>
+            <p:ph idx="1"/>
+          </p:nvPr>
+        </p:nvSpPr>
+        <p:spPr>
+          <a:xfrm>
+            <a:off x="0" y="2084851"/>
+            <a:ext cx="12192000" cy="2404863"/>
+          </a:xfrm>
+        </p:spPr>
+        <p:txBody>
+          <a:bodyPr anchor="ctr">
+            <a:normAutofit/>
+          </a:bodyPr>
+          <a:lstStyle/>
           <a:p>
             <a:pPr algn="ctr">
               <a:buNone/>
             </a:pPr>
             <a:r>
-              <a:rPr lang="zh-TW" altLang="en-US" sz="5400" b="1" dirty="0">
+              <a:rPr lang="zh-TW" altLang="en-US" sz="6400" b="1" dirty="0">
                 <a:solidFill>
                   <a:srgbClr val="000066"/>
                 </a:solidFill>
@@ -3394,7 +3691,7 @@
               <a:buNone/>
             </a:pPr>
             <a:r>
-              <a:rPr lang="zh-TW" altLang="en-US" sz="5400" b="1" dirty="0">
+              <a:rPr lang="zh-TW" altLang="en-US" sz="6400" b="1" dirty="0">
                 <a:solidFill>
                   <a:srgbClr val="000066"/>
                 </a:solidFill>
@@ -3403,14 +3700,778 @@
               </a:rPr>
               <a:t>焚身難報主愛</a:t>
             </a:r>
+            <a:endParaRPr lang="zh-TW" altLang="en-US" sz="6400" b="1" dirty="0">
+              <a:solidFill>
+                <a:srgbClr val="000066"/>
+              </a:solidFill>
+              <a:latin typeface="微軟正黑體" pitchFamily="34" charset="-120"/>
+              <a:ea typeface="微軟正黑體" pitchFamily="34" charset="-120"/>
+            </a:endParaRPr>
           </a:p>
         </p:txBody>
       </p:sp>
     </p:spTree>
+    <p:extLst>
+      <p:ext uri="{BB962C8B-B14F-4D97-AF65-F5344CB8AC3E}">
+        <p14:creationId xmlns:p14="http://schemas.microsoft.com/office/powerpoint/2010/main" val="2882066131"/>
+      </p:ext>
+    </p:extLst>
   </p:cSld>
   <p:clrMapOvr>
     <a:masterClrMapping/>
   </p:clrMapOvr>
+  <p:timing>
+    <p:tnLst>
+      <p:par>
+        <p:cTn id="1" dur="indefinite" restart="never" nodeType="tmRoot"/>
+      </p:par>
+    </p:tnLst>
+  </p:timing>
+</p:sld>
+</file>
+
+<file path=ppt/slides/slide14.xml><?xml version="1.0" encoding="utf-8"?>
+<p:sld xmlns:a="http://schemas.openxmlformats.org/drawingml/2006/main" xmlns:r="http://schemas.openxmlformats.org/officeDocument/2006/relationships" xmlns:p="http://schemas.openxmlformats.org/presentationml/2006/main">
+  <p:cSld>
+    <p:spTree>
+      <p:nvGrpSpPr>
+        <p:cNvPr id="1" name=""/>
+        <p:cNvGrpSpPr/>
+        <p:nvPr/>
+      </p:nvGrpSpPr>
+      <p:grpSpPr>
+        <a:xfrm>
+          <a:off x="0" y="0"/>
+          <a:ext cx="0" cy="0"/>
+          <a:chOff x="0" y="0"/>
+          <a:chExt cx="0" cy="0"/>
+        </a:xfrm>
+      </p:grpSpPr>
+      <p:sp>
+        <p:nvSpPr>
+          <p:cNvPr id="5" name="內容版面配置區 4"/>
+          <p:cNvSpPr>
+            <a:spLocks noGrp="1"/>
+          </p:cNvSpPr>
+          <p:nvPr>
+            <p:ph idx="1"/>
+          </p:nvPr>
+        </p:nvSpPr>
+        <p:spPr>
+          <a:xfrm>
+            <a:off x="0" y="2084851"/>
+            <a:ext cx="12192000" cy="2404863"/>
+          </a:xfrm>
+        </p:spPr>
+        <p:txBody>
+          <a:bodyPr anchor="ctr">
+            <a:normAutofit/>
+          </a:bodyPr>
+          <a:lstStyle/>
+          <a:p>
+            <a:pPr algn="ctr">
+              <a:buNone/>
+            </a:pPr>
+            <a:r>
+              <a:rPr lang="zh-TW" altLang="en-US" sz="6400" b="1" dirty="0">
+                <a:solidFill>
+                  <a:srgbClr val="000066"/>
+                </a:solidFill>
+                <a:latin typeface="微軟正黑體" pitchFamily="34" charset="-120"/>
+                <a:ea typeface="微軟正黑體" pitchFamily="34" charset="-120"/>
+              </a:rPr>
+              <a:t>自從一看主傷流血</a:t>
+            </a:r>
+          </a:p>
+          <a:p>
+            <a:pPr algn="ctr">
+              <a:buNone/>
+            </a:pPr>
+            <a:r>
+              <a:rPr lang="zh-TW" altLang="en-US" sz="6400" b="1" dirty="0">
+                <a:solidFill>
+                  <a:srgbClr val="000066"/>
+                </a:solidFill>
+                <a:latin typeface="微軟正黑體" pitchFamily="34" charset="-120"/>
+                <a:ea typeface="微軟正黑體" pitchFamily="34" charset="-120"/>
+              </a:rPr>
+              <a:t>成這贖罪泉源</a:t>
+            </a:r>
+            <a:endParaRPr lang="zh-TW" altLang="en-US" sz="6400" b="1" dirty="0">
+              <a:solidFill>
+                <a:srgbClr val="000066"/>
+              </a:solidFill>
+              <a:latin typeface="微軟正黑體" pitchFamily="34" charset="-120"/>
+              <a:ea typeface="微軟正黑體" pitchFamily="34" charset="-120"/>
+            </a:endParaRPr>
+          </a:p>
+        </p:txBody>
+      </p:sp>
+      <p:sp>
+        <p:nvSpPr>
+          <p:cNvPr id="3" name="TextBox 2"/>
+          <p:cNvSpPr txBox="1"/>
+          <p:nvPr/>
+        </p:nvSpPr>
+        <p:spPr>
+          <a:xfrm>
+            <a:off x="0" y="5061181"/>
+            <a:ext cx="12192000" cy="666786"/>
+          </a:xfrm>
+          <a:prstGeom prst="rect">
+            <a:avLst/>
+          </a:prstGeom>
+          <a:noFill/>
+        </p:spPr>
+        <p:txBody>
+          <a:bodyPr wrap="square" rtlCol="0">
+            <a:spAutoFit/>
+          </a:bodyPr>
+          <a:lstStyle/>
+          <a:p>
+            <a:pPr algn="ctr"/>
+            <a:r>
+              <a:rPr lang="en-US" sz="3733" b="1" dirty="0">
+                <a:solidFill>
+                  <a:srgbClr val="000066"/>
+                </a:solidFill>
+              </a:rPr>
+              <a:t>( 4 / 5 )</a:t>
+            </a:r>
+            <a:endParaRPr lang="vi-VN" sz="3733" b="1" dirty="0">
+              <a:solidFill>
+                <a:srgbClr val="000066"/>
+              </a:solidFill>
+            </a:endParaRPr>
+          </a:p>
+        </p:txBody>
+      </p:sp>
+    </p:spTree>
+    <p:extLst>
+      <p:ext uri="{BB962C8B-B14F-4D97-AF65-F5344CB8AC3E}">
+        <p14:creationId xmlns:p14="http://schemas.microsoft.com/office/powerpoint/2010/main" val="3553487505"/>
+      </p:ext>
+    </p:extLst>
+  </p:cSld>
+  <p:clrMapOvr>
+    <a:masterClrMapping/>
+  </p:clrMapOvr>
+  <p:timing>
+    <p:tnLst>
+      <p:par>
+        <p:cTn id="1" dur="indefinite" restart="never" nodeType="tmRoot"/>
+      </p:par>
+    </p:tnLst>
+  </p:timing>
+</p:sld>
+</file>
+
+<file path=ppt/slides/slide15.xml><?xml version="1.0" encoding="utf-8"?>
+<p:sld xmlns:a="http://schemas.openxmlformats.org/drawingml/2006/main" xmlns:r="http://schemas.openxmlformats.org/officeDocument/2006/relationships" xmlns:p="http://schemas.openxmlformats.org/presentationml/2006/main">
+  <p:cSld>
+    <p:spTree>
+      <p:nvGrpSpPr>
+        <p:cNvPr id="1" name=""/>
+        <p:cNvGrpSpPr/>
+        <p:nvPr/>
+      </p:nvGrpSpPr>
+      <p:grpSpPr>
+        <a:xfrm>
+          <a:off x="0" y="0"/>
+          <a:ext cx="0" cy="0"/>
+          <a:chOff x="0" y="0"/>
+          <a:chExt cx="0" cy="0"/>
+        </a:xfrm>
+      </p:grpSpPr>
+      <p:sp>
+        <p:nvSpPr>
+          <p:cNvPr id="5" name="內容版面配置區 4"/>
+          <p:cNvSpPr>
+            <a:spLocks noGrp="1"/>
+          </p:cNvSpPr>
+          <p:nvPr>
+            <p:ph idx="1"/>
+          </p:nvPr>
+        </p:nvSpPr>
+        <p:spPr>
+          <a:xfrm>
+            <a:off x="0" y="2084851"/>
+            <a:ext cx="12192000" cy="2404863"/>
+          </a:xfrm>
+        </p:spPr>
+        <p:txBody>
+          <a:bodyPr anchor="ctr">
+            <a:normAutofit/>
+          </a:bodyPr>
+          <a:lstStyle/>
+          <a:p>
+            <a:pPr algn="ctr">
+              <a:buNone/>
+            </a:pPr>
+            <a:r>
+              <a:rPr lang="zh-TW" altLang="en-US" sz="6400" b="1" dirty="0">
+                <a:solidFill>
+                  <a:srgbClr val="000066"/>
+                </a:solidFill>
+                <a:latin typeface="微軟正黑體" pitchFamily="34" charset="-120"/>
+                <a:ea typeface="微軟正黑體" pitchFamily="34" charset="-120"/>
+              </a:rPr>
+              <a:t>贖罪妙恩我常傳揚</a:t>
+            </a:r>
+          </a:p>
+          <a:p>
+            <a:pPr algn="ctr">
+              <a:buNone/>
+            </a:pPr>
+            <a:r>
+              <a:rPr lang="zh-TW" altLang="en-US" sz="6400" b="1" dirty="0">
+                <a:solidFill>
+                  <a:srgbClr val="000066"/>
+                </a:solidFill>
+                <a:latin typeface="微軟正黑體" pitchFamily="34" charset="-120"/>
+                <a:ea typeface="微軟正黑體" pitchFamily="34" charset="-120"/>
+              </a:rPr>
+              <a:t>至死仍然要傳</a:t>
+            </a:r>
+            <a:endParaRPr lang="zh-TW" altLang="en-US" sz="6400" b="1" dirty="0">
+              <a:solidFill>
+                <a:srgbClr val="000066"/>
+              </a:solidFill>
+              <a:latin typeface="微軟正黑體" pitchFamily="34" charset="-120"/>
+              <a:ea typeface="微軟正黑體" pitchFamily="34" charset="-120"/>
+            </a:endParaRPr>
+          </a:p>
+        </p:txBody>
+      </p:sp>
+      <p:sp>
+        <p:nvSpPr>
+          <p:cNvPr id="3" name="TextBox 2"/>
+          <p:cNvSpPr txBox="1"/>
+          <p:nvPr/>
+        </p:nvSpPr>
+        <p:spPr>
+          <a:xfrm>
+            <a:off x="0" y="5061181"/>
+            <a:ext cx="12192000" cy="666786"/>
+          </a:xfrm>
+          <a:prstGeom prst="rect">
+            <a:avLst/>
+          </a:prstGeom>
+          <a:noFill/>
+        </p:spPr>
+        <p:txBody>
+          <a:bodyPr wrap="square" rtlCol="0">
+            <a:spAutoFit/>
+          </a:bodyPr>
+          <a:lstStyle/>
+          <a:p>
+            <a:pPr algn="ctr"/>
+            <a:r>
+              <a:rPr lang="en-US" sz="3733" b="1" dirty="0">
+                <a:solidFill>
+                  <a:srgbClr val="000066"/>
+                </a:solidFill>
+              </a:rPr>
+              <a:t>( 4 / 5 )</a:t>
+            </a:r>
+            <a:endParaRPr lang="vi-VN" sz="3733" b="1" dirty="0">
+              <a:solidFill>
+                <a:srgbClr val="000066"/>
+              </a:solidFill>
+            </a:endParaRPr>
+          </a:p>
+        </p:txBody>
+      </p:sp>
+    </p:spTree>
+    <p:extLst>
+      <p:ext uri="{BB962C8B-B14F-4D97-AF65-F5344CB8AC3E}">
+        <p14:creationId xmlns:p14="http://schemas.microsoft.com/office/powerpoint/2010/main" val="1357763417"/>
+      </p:ext>
+    </p:extLst>
+  </p:cSld>
+  <p:clrMapOvr>
+    <a:masterClrMapping/>
+  </p:clrMapOvr>
+  <p:timing>
+    <p:tnLst>
+      <p:par>
+        <p:cTn id="1" dur="indefinite" restart="never" nodeType="tmRoot"/>
+      </p:par>
+    </p:tnLst>
+  </p:timing>
+</p:sld>
+</file>
+
+<file path=ppt/slides/slide16.xml><?xml version="1.0" encoding="utf-8"?>
+<p:sld xmlns:a="http://schemas.openxmlformats.org/drawingml/2006/main" xmlns:r="http://schemas.openxmlformats.org/officeDocument/2006/relationships" xmlns:p="http://schemas.openxmlformats.org/presentationml/2006/main">
+  <p:cSld>
+    <p:spTree>
+      <p:nvGrpSpPr>
+        <p:cNvPr id="1" name=""/>
+        <p:cNvGrpSpPr/>
+        <p:nvPr/>
+      </p:nvGrpSpPr>
+      <p:grpSpPr>
+        <a:xfrm>
+          <a:off x="0" y="0"/>
+          <a:ext cx="0" cy="0"/>
+          <a:chOff x="0" y="0"/>
+          <a:chExt cx="0" cy="0"/>
+        </a:xfrm>
+      </p:grpSpPr>
+      <p:sp>
+        <p:nvSpPr>
+          <p:cNvPr id="5" name="內容版面配置區 4"/>
+          <p:cNvSpPr>
+            <a:spLocks noGrp="1"/>
+          </p:cNvSpPr>
+          <p:nvPr>
+            <p:ph idx="1"/>
+          </p:nvPr>
+        </p:nvSpPr>
+        <p:spPr>
+          <a:xfrm>
+            <a:off x="0" y="2084851"/>
+            <a:ext cx="12192000" cy="2404863"/>
+          </a:xfrm>
+        </p:spPr>
+        <p:txBody>
+          <a:bodyPr anchor="ctr">
+            <a:normAutofit/>
+          </a:bodyPr>
+          <a:lstStyle/>
+          <a:p>
+            <a:pPr algn="ctr">
+              <a:buNone/>
+            </a:pPr>
+            <a:r>
+              <a:rPr lang="zh-TW" altLang="en-US" sz="6400" b="1" dirty="0">
+                <a:solidFill>
+                  <a:srgbClr val="000066"/>
+                </a:solidFill>
+                <a:latin typeface="微軟正黑體" pitchFamily="34" charset="-120"/>
+                <a:ea typeface="微軟正黑體" pitchFamily="34" charset="-120"/>
+              </a:rPr>
+              <a:t>我心相信  我真相信</a:t>
+            </a:r>
+          </a:p>
+          <a:p>
+            <a:pPr algn="ctr">
+              <a:buNone/>
+            </a:pPr>
+            <a:r>
+              <a:rPr lang="zh-TW" altLang="en-US" sz="6400" b="1" dirty="0">
+                <a:solidFill>
+                  <a:srgbClr val="000066"/>
+                </a:solidFill>
+                <a:latin typeface="微軟正黑體" pitchFamily="34" charset="-120"/>
+                <a:ea typeface="微軟正黑體" pitchFamily="34" charset="-120"/>
+              </a:rPr>
+              <a:t>耶穌替我受害</a:t>
+            </a:r>
+            <a:endParaRPr lang="zh-TW" altLang="en-US" sz="6400" b="1" dirty="0">
+              <a:solidFill>
+                <a:srgbClr val="000066"/>
+              </a:solidFill>
+              <a:latin typeface="微軟正黑體" pitchFamily="34" charset="-120"/>
+              <a:ea typeface="微軟正黑體" pitchFamily="34" charset="-120"/>
+            </a:endParaRPr>
+          </a:p>
+        </p:txBody>
+      </p:sp>
+    </p:spTree>
+    <p:extLst>
+      <p:ext uri="{BB962C8B-B14F-4D97-AF65-F5344CB8AC3E}">
+        <p14:creationId xmlns:p14="http://schemas.microsoft.com/office/powerpoint/2010/main" val="1594573445"/>
+      </p:ext>
+    </p:extLst>
+  </p:cSld>
+  <p:clrMapOvr>
+    <a:masterClrMapping/>
+  </p:clrMapOvr>
+  <p:timing>
+    <p:tnLst>
+      <p:par>
+        <p:cTn id="1" dur="indefinite" restart="never" nodeType="tmRoot"/>
+      </p:par>
+    </p:tnLst>
+  </p:timing>
+</p:sld>
+</file>
+
+<file path=ppt/slides/slide17.xml><?xml version="1.0" encoding="utf-8"?>
+<p:sld xmlns:a="http://schemas.openxmlformats.org/drawingml/2006/main" xmlns:r="http://schemas.openxmlformats.org/officeDocument/2006/relationships" xmlns:p="http://schemas.openxmlformats.org/presentationml/2006/main">
+  <p:cSld>
+    <p:spTree>
+      <p:nvGrpSpPr>
+        <p:cNvPr id="1" name=""/>
+        <p:cNvGrpSpPr/>
+        <p:nvPr/>
+      </p:nvGrpSpPr>
+      <p:grpSpPr>
+        <a:xfrm>
+          <a:off x="0" y="0"/>
+          <a:ext cx="0" cy="0"/>
+          <a:chOff x="0" y="0"/>
+          <a:chExt cx="0" cy="0"/>
+        </a:xfrm>
+      </p:grpSpPr>
+      <p:sp>
+        <p:nvSpPr>
+          <p:cNvPr id="5" name="內容版面配置區 4"/>
+          <p:cNvSpPr>
+            <a:spLocks noGrp="1"/>
+          </p:cNvSpPr>
+          <p:nvPr>
+            <p:ph idx="1"/>
+          </p:nvPr>
+        </p:nvSpPr>
+        <p:spPr>
+          <a:xfrm>
+            <a:off x="0" y="2084851"/>
+            <a:ext cx="12192000" cy="2404863"/>
+          </a:xfrm>
+        </p:spPr>
+        <p:txBody>
+          <a:bodyPr anchor="ctr">
+            <a:normAutofit/>
+          </a:bodyPr>
+          <a:lstStyle/>
+          <a:p>
+            <a:pPr algn="ctr">
+              <a:buNone/>
+            </a:pPr>
+            <a:r>
+              <a:rPr lang="zh-TW" altLang="en-US" sz="6400" b="1" dirty="0">
+                <a:solidFill>
+                  <a:srgbClr val="000066"/>
+                </a:solidFill>
+                <a:latin typeface="微軟正黑體" pitchFamily="34" charset="-120"/>
+                <a:ea typeface="微軟正黑體" pitchFamily="34" charset="-120"/>
+              </a:rPr>
+              <a:t>天父愛子這樣受死</a:t>
+            </a:r>
+          </a:p>
+          <a:p>
+            <a:pPr algn="ctr">
+              <a:buNone/>
+            </a:pPr>
+            <a:r>
+              <a:rPr lang="zh-TW" altLang="en-US" sz="6400" b="1" dirty="0">
+                <a:solidFill>
+                  <a:srgbClr val="000066"/>
+                </a:solidFill>
+                <a:latin typeface="微軟正黑體" pitchFamily="34" charset="-120"/>
+                <a:ea typeface="微軟正黑體" pitchFamily="34" charset="-120"/>
+              </a:rPr>
+              <a:t>焚身難報主愛</a:t>
+            </a:r>
+            <a:endParaRPr lang="zh-TW" altLang="en-US" sz="6400" b="1" dirty="0">
+              <a:solidFill>
+                <a:srgbClr val="000066"/>
+              </a:solidFill>
+              <a:latin typeface="微軟正黑體" pitchFamily="34" charset="-120"/>
+              <a:ea typeface="微軟正黑體" pitchFamily="34" charset="-120"/>
+            </a:endParaRPr>
+          </a:p>
+        </p:txBody>
+      </p:sp>
+    </p:spTree>
+    <p:extLst>
+      <p:ext uri="{BB962C8B-B14F-4D97-AF65-F5344CB8AC3E}">
+        <p14:creationId xmlns:p14="http://schemas.microsoft.com/office/powerpoint/2010/main" val="1971897375"/>
+      </p:ext>
+    </p:extLst>
+  </p:cSld>
+  <p:clrMapOvr>
+    <a:masterClrMapping/>
+  </p:clrMapOvr>
+  <p:timing>
+    <p:tnLst>
+      <p:par>
+        <p:cTn id="1" dur="indefinite" restart="never" nodeType="tmRoot"/>
+      </p:par>
+    </p:tnLst>
+  </p:timing>
+</p:sld>
+</file>
+
+<file path=ppt/slides/slide18.xml><?xml version="1.0" encoding="utf-8"?>
+<p:sld xmlns:a="http://schemas.openxmlformats.org/drawingml/2006/main" xmlns:r="http://schemas.openxmlformats.org/officeDocument/2006/relationships" xmlns:p="http://schemas.openxmlformats.org/presentationml/2006/main">
+  <p:cSld>
+    <p:spTree>
+      <p:nvGrpSpPr>
+        <p:cNvPr id="1" name=""/>
+        <p:cNvGrpSpPr/>
+        <p:nvPr/>
+      </p:nvGrpSpPr>
+      <p:grpSpPr>
+        <a:xfrm>
+          <a:off x="0" y="0"/>
+          <a:ext cx="0" cy="0"/>
+          <a:chOff x="0" y="0"/>
+          <a:chExt cx="0" cy="0"/>
+        </a:xfrm>
+      </p:grpSpPr>
+      <p:sp>
+        <p:nvSpPr>
+          <p:cNvPr id="5" name="內容版面配置區 4"/>
+          <p:cNvSpPr>
+            <a:spLocks noGrp="1"/>
+          </p:cNvSpPr>
+          <p:nvPr>
+            <p:ph idx="1"/>
+          </p:nvPr>
+        </p:nvSpPr>
+        <p:spPr>
+          <a:xfrm>
+            <a:off x="0" y="2084851"/>
+            <a:ext cx="12192000" cy="2404863"/>
+          </a:xfrm>
+        </p:spPr>
+        <p:txBody>
+          <a:bodyPr anchor="ctr">
+            <a:normAutofit/>
+          </a:bodyPr>
+          <a:lstStyle/>
+          <a:p>
+            <a:pPr algn="ctr">
+              <a:buNone/>
+            </a:pPr>
+            <a:r>
+              <a:rPr lang="zh-CN" altLang="en-US" sz="6400" b="1" dirty="0">
+                <a:solidFill>
+                  <a:srgbClr val="000066"/>
+                </a:solidFill>
+                <a:latin typeface="微軟正黑體" pitchFamily="34" charset="-120"/>
+                <a:ea typeface="微軟正黑體" pitchFamily="34" charset="-120"/>
+              </a:rPr>
+              <a:t>等到去世拙口笨舌</a:t>
+            </a:r>
+            <a:endParaRPr lang="zh-TW" altLang="en-US" sz="6400" b="1" dirty="0">
+              <a:solidFill>
+                <a:srgbClr val="000066"/>
+              </a:solidFill>
+              <a:latin typeface="微軟正黑體" pitchFamily="34" charset="-120"/>
+              <a:ea typeface="微軟正黑體" pitchFamily="34" charset="-120"/>
+            </a:endParaRPr>
+          </a:p>
+          <a:p>
+            <a:pPr algn="ctr">
+              <a:buNone/>
+            </a:pPr>
+            <a:r>
+              <a:rPr lang="zh-TW" altLang="en-US" sz="6400" b="1" dirty="0">
+                <a:solidFill>
+                  <a:srgbClr val="000066"/>
+                </a:solidFill>
+                <a:latin typeface="微軟正黑體" pitchFamily="34" charset="-120"/>
+                <a:ea typeface="微軟正黑體" pitchFamily="34" charset="-120"/>
+              </a:rPr>
+              <a:t>無聲在墳墓中</a:t>
+            </a:r>
+            <a:endParaRPr lang="zh-TW" altLang="en-US" sz="6400" b="1" dirty="0">
+              <a:solidFill>
+                <a:srgbClr val="000066"/>
+              </a:solidFill>
+              <a:latin typeface="微軟正黑體" pitchFamily="34" charset="-120"/>
+              <a:ea typeface="微軟正黑體" pitchFamily="34" charset="-120"/>
+            </a:endParaRPr>
+          </a:p>
+        </p:txBody>
+      </p:sp>
+      <p:sp>
+        <p:nvSpPr>
+          <p:cNvPr id="3" name="TextBox 2"/>
+          <p:cNvSpPr txBox="1"/>
+          <p:nvPr/>
+        </p:nvSpPr>
+        <p:spPr>
+          <a:xfrm>
+            <a:off x="0" y="5061181"/>
+            <a:ext cx="12192000" cy="666786"/>
+          </a:xfrm>
+          <a:prstGeom prst="rect">
+            <a:avLst/>
+          </a:prstGeom>
+          <a:noFill/>
+        </p:spPr>
+        <p:txBody>
+          <a:bodyPr wrap="square" rtlCol="0">
+            <a:spAutoFit/>
+          </a:bodyPr>
+          <a:lstStyle/>
+          <a:p>
+            <a:pPr algn="ctr"/>
+            <a:r>
+              <a:rPr lang="en-US" sz="3733" b="1" dirty="0">
+                <a:solidFill>
+                  <a:srgbClr val="000066"/>
+                </a:solidFill>
+              </a:rPr>
+              <a:t>( 5 / 5 )</a:t>
+            </a:r>
+            <a:endParaRPr lang="vi-VN" sz="3733" b="1" dirty="0">
+              <a:solidFill>
+                <a:srgbClr val="000066"/>
+              </a:solidFill>
+            </a:endParaRPr>
+          </a:p>
+        </p:txBody>
+      </p:sp>
+    </p:spTree>
+    <p:extLst>
+      <p:ext uri="{BB962C8B-B14F-4D97-AF65-F5344CB8AC3E}">
+        <p14:creationId xmlns:p14="http://schemas.microsoft.com/office/powerpoint/2010/main" val="553947428"/>
+      </p:ext>
+    </p:extLst>
+  </p:cSld>
+  <p:clrMapOvr>
+    <a:masterClrMapping/>
+  </p:clrMapOvr>
+  <p:timing>
+    <p:tnLst>
+      <p:par>
+        <p:cTn id="1" dur="indefinite" restart="never" nodeType="tmRoot"/>
+      </p:par>
+    </p:tnLst>
+  </p:timing>
+</p:sld>
+</file>
+
+<file path=ppt/slides/slide19.xml><?xml version="1.0" encoding="utf-8"?>
+<p:sld xmlns:a="http://schemas.openxmlformats.org/drawingml/2006/main" xmlns:r="http://schemas.openxmlformats.org/officeDocument/2006/relationships" xmlns:p="http://schemas.openxmlformats.org/presentationml/2006/main">
+  <p:cSld>
+    <p:spTree>
+      <p:nvGrpSpPr>
+        <p:cNvPr id="1" name=""/>
+        <p:cNvGrpSpPr/>
+        <p:nvPr/>
+      </p:nvGrpSpPr>
+      <p:grpSpPr>
+        <a:xfrm>
+          <a:off x="0" y="0"/>
+          <a:ext cx="0" cy="0"/>
+          <a:chOff x="0" y="0"/>
+          <a:chExt cx="0" cy="0"/>
+        </a:xfrm>
+      </p:grpSpPr>
+      <p:sp>
+        <p:nvSpPr>
+          <p:cNvPr id="5" name="內容版面配置區 4"/>
+          <p:cNvSpPr>
+            <a:spLocks noGrp="1"/>
+          </p:cNvSpPr>
+          <p:nvPr>
+            <p:ph idx="1"/>
+          </p:nvPr>
+        </p:nvSpPr>
+        <p:spPr>
+          <a:xfrm>
+            <a:off x="0" y="2084851"/>
+            <a:ext cx="12192000" cy="2404863"/>
+          </a:xfrm>
+        </p:spPr>
+        <p:txBody>
+          <a:bodyPr anchor="ctr">
+            <a:normAutofit/>
+          </a:bodyPr>
+          <a:lstStyle/>
+          <a:p>
+            <a:pPr algn="ctr">
+              <a:buNone/>
+            </a:pPr>
+            <a:r>
+              <a:rPr lang="zh-TW" altLang="en-US" sz="6400" b="1" dirty="0">
+                <a:solidFill>
+                  <a:srgbClr val="000066"/>
+                </a:solidFill>
+                <a:latin typeface="微軟正黑體" pitchFamily="34" charset="-120"/>
+                <a:ea typeface="微軟正黑體" pitchFamily="34" charset="-120"/>
+              </a:rPr>
+              <a:t>在天還要歌聲更美</a:t>
+            </a:r>
+          </a:p>
+          <a:p>
+            <a:pPr algn="ctr">
+              <a:buNone/>
+            </a:pPr>
+            <a:r>
+              <a:rPr lang="zh-CN" altLang="en-US" sz="6400" b="1" dirty="0">
+                <a:solidFill>
+                  <a:srgbClr val="000066"/>
+                </a:solidFill>
+                <a:latin typeface="微軟正黑體" pitchFamily="34" charset="-120"/>
+                <a:ea typeface="微軟正黑體" pitchFamily="34" charset="-120"/>
+              </a:rPr>
+              <a:t>頌主救人大功</a:t>
+            </a:r>
+            <a:endParaRPr lang="zh-TW" altLang="en-US" sz="6400" b="1" dirty="0">
+              <a:solidFill>
+                <a:srgbClr val="000066"/>
+              </a:solidFill>
+              <a:latin typeface="微軟正黑體" pitchFamily="34" charset="-120"/>
+              <a:ea typeface="微軟正黑體" pitchFamily="34" charset="-120"/>
+            </a:endParaRPr>
+          </a:p>
+        </p:txBody>
+      </p:sp>
+      <p:sp>
+        <p:nvSpPr>
+          <p:cNvPr id="3" name="TextBox 2"/>
+          <p:cNvSpPr txBox="1"/>
+          <p:nvPr/>
+        </p:nvSpPr>
+        <p:spPr>
+          <a:xfrm>
+            <a:off x="0" y="5061181"/>
+            <a:ext cx="12192000" cy="666786"/>
+          </a:xfrm>
+          <a:prstGeom prst="rect">
+            <a:avLst/>
+          </a:prstGeom>
+          <a:noFill/>
+        </p:spPr>
+        <p:txBody>
+          <a:bodyPr wrap="square" rtlCol="0">
+            <a:spAutoFit/>
+          </a:bodyPr>
+          <a:lstStyle/>
+          <a:p>
+            <a:pPr algn="ctr"/>
+            <a:r>
+              <a:rPr lang="en-US" sz="3733" b="1" dirty="0">
+                <a:solidFill>
+                  <a:srgbClr val="000066"/>
+                </a:solidFill>
+              </a:rPr>
+              <a:t>( 5 / 5 )</a:t>
+            </a:r>
+            <a:endParaRPr lang="vi-VN" sz="3733" b="1" dirty="0">
+              <a:solidFill>
+                <a:srgbClr val="000066"/>
+              </a:solidFill>
+            </a:endParaRPr>
+          </a:p>
+        </p:txBody>
+      </p:sp>
+    </p:spTree>
+    <p:extLst>
+      <p:ext uri="{BB962C8B-B14F-4D97-AF65-F5344CB8AC3E}">
+        <p14:creationId xmlns:p14="http://schemas.microsoft.com/office/powerpoint/2010/main" val="3346803310"/>
+      </p:ext>
+    </p:extLst>
+  </p:cSld>
+  <p:clrMapOvr>
+    <a:masterClrMapping/>
+  </p:clrMapOvr>
+  <p:timing>
+    <p:tnLst>
+      <p:par>
+        <p:cTn id="1" dur="indefinite" restart="never" nodeType="tmRoot"/>
+      </p:par>
+    </p:tnLst>
+  </p:timing>
 </p:sld>
 </file>
 
@@ -3433,30 +4494,40 @@
       </p:grpSpPr>
       <p:sp>
         <p:nvSpPr>
-          <p:cNvPr id="4" name="標題 3"/>
-          <p:cNvSpPr>
-            <a:spLocks noGrp="1"/>
-          </p:cNvSpPr>
-          <p:nvPr>
-            <p:ph type="title"/>
-          </p:nvPr>
-        </p:nvSpPr>
-        <p:spPr/>
-        <p:txBody>
-          <a:bodyPr/>
-          <a:lstStyle/>
-          <a:p>
-            <a:r>
-              <a:rPr lang="zh-CN" altLang="en-US" b="1" dirty="0" smtClean="0">
+          <p:cNvPr id="5" name="內容版面配置區 4"/>
+          <p:cNvSpPr>
+            <a:spLocks noGrp="1"/>
+          </p:cNvSpPr>
+          <p:nvPr>
+            <p:ph idx="1"/>
+          </p:nvPr>
+        </p:nvSpPr>
+        <p:spPr>
+          <a:xfrm>
+            <a:off x="0" y="2084851"/>
+            <a:ext cx="12192000" cy="2404863"/>
+          </a:xfrm>
+        </p:spPr>
+        <p:txBody>
+          <a:bodyPr anchor="ctr">
+            <a:normAutofit/>
+          </a:bodyPr>
+          <a:lstStyle/>
+          <a:p>
+            <a:pPr algn="ctr">
+              <a:buNone/>
+            </a:pPr>
+            <a:r>
+              <a:rPr lang="zh-CN" altLang="en-US" sz="6400" b="1" dirty="0">
                 <a:solidFill>
                   <a:srgbClr val="000066"/>
                 </a:solidFill>
                 <a:latin typeface="微軟正黑體" pitchFamily="34" charset="-120"/>
                 <a:ea typeface="微軟正黑體" pitchFamily="34" charset="-120"/>
               </a:rPr>
-              <a:t>流血之泉</a:t>
-            </a:r>
-            <a:endParaRPr lang="zh-TW" altLang="en-US" b="1" dirty="0">
+              <a:t>今有一處流血之泉</a:t>
+            </a:r>
+            <a:endParaRPr lang="en-US" altLang="zh-CN" sz="6400" b="1" dirty="0">
               <a:solidFill>
                 <a:srgbClr val="000066"/>
               </a:solidFill>
@@ -3464,45 +4535,148 @@
               <a:ea typeface="微軟正黑體" pitchFamily="34" charset="-120"/>
             </a:endParaRPr>
           </a:p>
-        </p:txBody>
-      </p:sp>
-      <p:sp>
-        <p:nvSpPr>
-          <p:cNvPr id="5" name="內容版面配置區 4"/>
-          <p:cNvSpPr>
-            <a:spLocks noGrp="1"/>
-          </p:cNvSpPr>
-          <p:nvPr>
-            <p:ph idx="1"/>
-          </p:nvPr>
-        </p:nvSpPr>
-        <p:spPr/>
-        <p:txBody>
-          <a:bodyPr>
-            <a:normAutofit/>
-          </a:bodyPr>
-          <a:lstStyle/>
           <a:p>
             <a:pPr algn="ctr">
               <a:buNone/>
             </a:pPr>
             <a:r>
-              <a:rPr lang="zh-TW" altLang="en-US" sz="5400" b="1" dirty="0">
+              <a:rPr lang="zh-TW" altLang="en-US" sz="6400" b="1" dirty="0">
                 <a:solidFill>
                   <a:srgbClr val="000066"/>
                 </a:solidFill>
                 <a:latin typeface="微軟正黑體" pitchFamily="34" charset="-120"/>
                 <a:ea typeface="微軟正黑體" pitchFamily="34" charset="-120"/>
               </a:rPr>
-              <a:t>我心相信 我真相信</a:t>
-            </a:r>
-          </a:p>
+              <a:t>從耶穌身發源</a:t>
+            </a:r>
+            <a:endParaRPr lang="zh-TW" altLang="en-US" sz="6400" b="1" dirty="0">
+              <a:solidFill>
+                <a:srgbClr val="000066"/>
+              </a:solidFill>
+              <a:latin typeface="微軟正黑體" pitchFamily="34" charset="-120"/>
+              <a:ea typeface="微軟正黑體" pitchFamily="34" charset="-120"/>
+            </a:endParaRPr>
+          </a:p>
+        </p:txBody>
+      </p:sp>
+      <p:sp>
+        <p:nvSpPr>
+          <p:cNvPr id="3" name="TextBox 2"/>
+          <p:cNvSpPr txBox="1"/>
+          <p:nvPr/>
+        </p:nvSpPr>
+        <p:spPr>
+          <a:xfrm>
+            <a:off x="0" y="5061181"/>
+            <a:ext cx="12192000" cy="666786"/>
+          </a:xfrm>
+          <a:prstGeom prst="rect">
+            <a:avLst/>
+          </a:prstGeom>
+          <a:noFill/>
+        </p:spPr>
+        <p:txBody>
+          <a:bodyPr wrap="square" rtlCol="0">
+            <a:spAutoFit/>
+          </a:bodyPr>
+          <a:lstStyle/>
+          <a:p>
+            <a:pPr algn="ctr"/>
+            <a:r>
+              <a:rPr lang="en-US" sz="3733" b="1" dirty="0">
+                <a:solidFill>
+                  <a:srgbClr val="000066"/>
+                </a:solidFill>
+              </a:rPr>
+              <a:t>( 1 / 5 )</a:t>
+            </a:r>
+            <a:endParaRPr lang="vi-VN" sz="3733" b="1" dirty="0">
+              <a:solidFill>
+                <a:srgbClr val="000066"/>
+              </a:solidFill>
+            </a:endParaRPr>
+          </a:p>
+        </p:txBody>
+      </p:sp>
+    </p:spTree>
+    <p:extLst>
+      <p:ext uri="{BB962C8B-B14F-4D97-AF65-F5344CB8AC3E}">
+        <p14:creationId xmlns:p14="http://schemas.microsoft.com/office/powerpoint/2010/main" val="4259042407"/>
+      </p:ext>
+    </p:extLst>
+  </p:cSld>
+  <p:clrMapOvr>
+    <a:masterClrMapping/>
+  </p:clrMapOvr>
+  <p:timing>
+    <p:tnLst>
+      <p:par>
+        <p:cTn id="1" dur="indefinite" restart="never" nodeType="tmRoot"/>
+      </p:par>
+    </p:tnLst>
+  </p:timing>
+</p:sld>
+</file>
+
+<file path=ppt/slides/slide20.xml><?xml version="1.0" encoding="utf-8"?>
+<p:sld xmlns:a="http://schemas.openxmlformats.org/drawingml/2006/main" xmlns:r="http://schemas.openxmlformats.org/officeDocument/2006/relationships" xmlns:p="http://schemas.openxmlformats.org/presentationml/2006/main">
+  <p:cSld>
+    <p:spTree>
+      <p:nvGrpSpPr>
+        <p:cNvPr id="1" name=""/>
+        <p:cNvGrpSpPr/>
+        <p:nvPr/>
+      </p:nvGrpSpPr>
+      <p:grpSpPr>
+        <a:xfrm>
+          <a:off x="0" y="0"/>
+          <a:ext cx="0" cy="0"/>
+          <a:chOff x="0" y="0"/>
+          <a:chExt cx="0" cy="0"/>
+        </a:xfrm>
+      </p:grpSpPr>
+      <p:sp>
+        <p:nvSpPr>
+          <p:cNvPr id="5" name="內容版面配置區 4"/>
+          <p:cNvSpPr>
+            <a:spLocks noGrp="1"/>
+          </p:cNvSpPr>
+          <p:nvPr>
+            <p:ph idx="1"/>
+          </p:nvPr>
+        </p:nvSpPr>
+        <p:spPr>
+          <a:xfrm>
+            <a:off x="0" y="2084851"/>
+            <a:ext cx="12192000" cy="2404863"/>
+          </a:xfrm>
+        </p:spPr>
+        <p:txBody>
+          <a:bodyPr anchor="ctr">
+            <a:normAutofit/>
+          </a:bodyPr>
+          <a:lstStyle/>
           <a:p>
             <a:pPr algn="ctr">
               <a:buNone/>
             </a:pPr>
             <a:r>
-              <a:rPr lang="zh-TW" altLang="en-US" sz="5400" b="1" dirty="0">
+              <a:rPr lang="zh-TW" altLang="en-US" sz="6400" b="1" dirty="0">
+                <a:solidFill>
+                  <a:srgbClr val="000066"/>
+                </a:solidFill>
+                <a:latin typeface="微軟正黑體" pitchFamily="34" charset="-120"/>
+                <a:ea typeface="微軟正黑體" pitchFamily="34" charset="-120"/>
+              </a:rPr>
+              <a:t>我心相信  我真相信</a:t>
+            </a:r>
+          </a:p>
+          <a:p>
+            <a:pPr algn="ctr">
+              <a:buNone/>
+            </a:pPr>
+            <a:r>
+              <a:rPr lang="zh-TW" altLang="en-US" sz="6400" b="1" dirty="0">
                 <a:solidFill>
                   <a:srgbClr val="000066"/>
                 </a:solidFill>
@@ -3511,13 +4685,80 @@
               </a:rPr>
               <a:t>耶穌替我受害</a:t>
             </a:r>
-          </a:p>
+            <a:endParaRPr lang="zh-TW" altLang="en-US" sz="6400" b="1" dirty="0">
+              <a:solidFill>
+                <a:srgbClr val="000066"/>
+              </a:solidFill>
+              <a:latin typeface="微軟正黑體" pitchFamily="34" charset="-120"/>
+              <a:ea typeface="微軟正黑體" pitchFamily="34" charset="-120"/>
+            </a:endParaRPr>
+          </a:p>
+        </p:txBody>
+      </p:sp>
+    </p:spTree>
+    <p:extLst>
+      <p:ext uri="{BB962C8B-B14F-4D97-AF65-F5344CB8AC3E}">
+        <p14:creationId xmlns:p14="http://schemas.microsoft.com/office/powerpoint/2010/main" val="2222427413"/>
+      </p:ext>
+    </p:extLst>
+  </p:cSld>
+  <p:clrMapOvr>
+    <a:masterClrMapping/>
+  </p:clrMapOvr>
+  <p:timing>
+    <p:tnLst>
+      <p:par>
+        <p:cTn id="1" dur="indefinite" restart="never" nodeType="tmRoot"/>
+      </p:par>
+    </p:tnLst>
+  </p:timing>
+</p:sld>
+</file>
+
+<file path=ppt/slides/slide21.xml><?xml version="1.0" encoding="utf-8"?>
+<p:sld xmlns:a="http://schemas.openxmlformats.org/drawingml/2006/main" xmlns:r="http://schemas.openxmlformats.org/officeDocument/2006/relationships" xmlns:p="http://schemas.openxmlformats.org/presentationml/2006/main">
+  <p:cSld>
+    <p:spTree>
+      <p:nvGrpSpPr>
+        <p:cNvPr id="1" name=""/>
+        <p:cNvGrpSpPr/>
+        <p:nvPr/>
+      </p:nvGrpSpPr>
+      <p:grpSpPr>
+        <a:xfrm>
+          <a:off x="0" y="0"/>
+          <a:ext cx="0" cy="0"/>
+          <a:chOff x="0" y="0"/>
+          <a:chExt cx="0" cy="0"/>
+        </a:xfrm>
+      </p:grpSpPr>
+      <p:sp>
+        <p:nvSpPr>
+          <p:cNvPr id="5" name="內容版面配置區 4"/>
+          <p:cNvSpPr>
+            <a:spLocks noGrp="1"/>
+          </p:cNvSpPr>
+          <p:nvPr>
+            <p:ph idx="1"/>
+          </p:nvPr>
+        </p:nvSpPr>
+        <p:spPr>
+          <a:xfrm>
+            <a:off x="0" y="2084851"/>
+            <a:ext cx="12192000" cy="2404863"/>
+          </a:xfrm>
+        </p:spPr>
+        <p:txBody>
+          <a:bodyPr anchor="ctr">
+            <a:normAutofit/>
+          </a:bodyPr>
+          <a:lstStyle/>
           <a:p>
             <a:pPr algn="ctr">
               <a:buNone/>
             </a:pPr>
             <a:r>
-              <a:rPr lang="zh-TW" altLang="en-US" sz="5400" b="1" dirty="0">
+              <a:rPr lang="zh-TW" altLang="en-US" sz="6400" b="1" dirty="0">
                 <a:solidFill>
                   <a:srgbClr val="000066"/>
                 </a:solidFill>
@@ -3532,7 +4773,7 @@
               <a:buNone/>
             </a:pPr>
             <a:r>
-              <a:rPr lang="zh-TW" altLang="en-US" sz="5400" b="1" dirty="0">
+              <a:rPr lang="zh-TW" altLang="en-US" sz="6400" b="1" dirty="0">
                 <a:solidFill>
                   <a:srgbClr val="000066"/>
                 </a:solidFill>
@@ -3541,14 +4782,33 @@
               </a:rPr>
               <a:t>焚身難報主愛</a:t>
             </a:r>
+            <a:endParaRPr lang="zh-TW" altLang="en-US" sz="6400" b="1" dirty="0">
+              <a:solidFill>
+                <a:srgbClr val="000066"/>
+              </a:solidFill>
+              <a:latin typeface="微軟正黑體" pitchFamily="34" charset="-120"/>
+              <a:ea typeface="微軟正黑體" pitchFamily="34" charset="-120"/>
+            </a:endParaRPr>
           </a:p>
         </p:txBody>
       </p:sp>
     </p:spTree>
+    <p:extLst>
+      <p:ext uri="{BB962C8B-B14F-4D97-AF65-F5344CB8AC3E}">
+        <p14:creationId xmlns:p14="http://schemas.microsoft.com/office/powerpoint/2010/main" val="2520081775"/>
+      </p:ext>
+    </p:extLst>
   </p:cSld>
   <p:clrMapOvr>
     <a:masterClrMapping/>
   </p:clrMapOvr>
+  <p:timing>
+    <p:tnLst>
+      <p:par>
+        <p:cTn id="1" dur="indefinite" restart="never" nodeType="tmRoot"/>
+      </p:par>
+    </p:tnLst>
+  </p:timing>
 </p:sld>
 </file>
 
@@ -3571,30 +4831,40 @@
       </p:grpSpPr>
       <p:sp>
         <p:nvSpPr>
-          <p:cNvPr id="4" name="標題 3"/>
-          <p:cNvSpPr>
-            <a:spLocks noGrp="1"/>
-          </p:cNvSpPr>
-          <p:nvPr>
-            <p:ph type="title"/>
-          </p:nvPr>
-        </p:nvSpPr>
-        <p:spPr/>
-        <p:txBody>
-          <a:bodyPr/>
-          <a:lstStyle/>
-          <a:p>
-            <a:r>
-              <a:rPr lang="zh-CN" altLang="en-US" b="1" dirty="0" smtClean="0">
+          <p:cNvPr id="5" name="內容版面配置區 4"/>
+          <p:cNvSpPr>
+            <a:spLocks noGrp="1"/>
+          </p:cNvSpPr>
+          <p:nvPr>
+            <p:ph idx="1"/>
+          </p:nvPr>
+        </p:nvSpPr>
+        <p:spPr>
+          <a:xfrm>
+            <a:off x="0" y="2084851"/>
+            <a:ext cx="12192000" cy="2404863"/>
+          </a:xfrm>
+        </p:spPr>
+        <p:txBody>
+          <a:bodyPr anchor="ctr">
+            <a:normAutofit/>
+          </a:bodyPr>
+          <a:lstStyle/>
+          <a:p>
+            <a:pPr algn="ctr">
+              <a:buNone/>
+            </a:pPr>
+            <a:r>
+              <a:rPr lang="zh-TW" altLang="en-US" sz="6400" b="1" dirty="0">
                 <a:solidFill>
                   <a:srgbClr val="000066"/>
                 </a:solidFill>
                 <a:latin typeface="微軟正黑體" pitchFamily="34" charset="-120"/>
                 <a:ea typeface="微軟正黑體" pitchFamily="34" charset="-120"/>
               </a:rPr>
-              <a:t>流血之泉</a:t>
-            </a:r>
-            <a:endParaRPr lang="zh-TW" altLang="en-US" b="1" dirty="0">
+              <a:t>罪人只要在此一洗</a:t>
+            </a:r>
+            <a:endParaRPr lang="en-US" altLang="zh-TW" sz="6400" b="1" dirty="0">
               <a:solidFill>
                 <a:srgbClr val="000066"/>
               </a:solidFill>
@@ -3602,69 +4872,21 @@
               <a:ea typeface="微軟正黑體" pitchFamily="34" charset="-120"/>
             </a:endParaRPr>
           </a:p>
-        </p:txBody>
-      </p:sp>
-      <p:sp>
-        <p:nvSpPr>
-          <p:cNvPr id="5" name="內容版面配置區 4"/>
-          <p:cNvSpPr>
-            <a:spLocks noGrp="1"/>
-          </p:cNvSpPr>
-          <p:nvPr>
-            <p:ph idx="1"/>
-          </p:nvPr>
-        </p:nvSpPr>
-        <p:spPr/>
-        <p:txBody>
-          <a:bodyPr>
-            <a:normAutofit/>
-          </a:bodyPr>
-          <a:lstStyle/>
           <a:p>
             <a:pPr algn="ctr">
               <a:buNone/>
             </a:pPr>
             <a:r>
-              <a:rPr lang="zh-TW" altLang="en-US" sz="5400" b="1" dirty="0">
+              <a:rPr lang="zh-CN" altLang="en-US" sz="6400" b="1" dirty="0">
                 <a:solidFill>
                   <a:srgbClr val="000066"/>
                 </a:solidFill>
                 <a:latin typeface="微軟正黑體" pitchFamily="34" charset="-120"/>
                 <a:ea typeface="微軟正黑體" pitchFamily="34" charset="-120"/>
               </a:rPr>
-              <a:t>盜賊臨死切心求救</a:t>
-            </a:r>
-          </a:p>
-          <a:p>
-            <a:pPr algn="ctr">
-              <a:buNone/>
-            </a:pPr>
-            <a:r>
-              <a:rPr lang="zh-TW" altLang="en-US" sz="5400" b="1" dirty="0">
-                <a:solidFill>
-                  <a:srgbClr val="000066"/>
-                </a:solidFill>
-                <a:latin typeface="微軟正黑體" pitchFamily="34" charset="-120"/>
-                <a:ea typeface="微軟正黑體" pitchFamily="34" charset="-120"/>
-              </a:rPr>
-              <a:t>得見此泉喜歡</a:t>
-            </a:r>
-          </a:p>
-          <a:p>
-            <a:pPr algn="ctr">
-              <a:buNone/>
-            </a:pPr>
-            <a:r>
-              <a:rPr lang="zh-CN" altLang="en-US" sz="5400" b="1" dirty="0">
-                <a:solidFill>
-                  <a:srgbClr val="000066"/>
-                </a:solidFill>
-                <a:latin typeface="微軟正黑體" pitchFamily="34" charset="-120"/>
-                <a:ea typeface="微軟正黑體" pitchFamily="34" charset="-120"/>
-              </a:rPr>
-              <a:t>我罪雖多永生絕望</a:t>
-            </a:r>
-            <a:endParaRPr lang="zh-TW" altLang="en-US" sz="5400" b="1" dirty="0">
+              <a:t>能去全身罪愆</a:t>
+            </a:r>
+            <a:endParaRPr lang="zh-TW" altLang="en-US" sz="6400" b="1" dirty="0">
               <a:solidFill>
                 <a:srgbClr val="000066"/>
               </a:solidFill>
@@ -3672,40 +4894,18 @@
               <a:ea typeface="微軟正黑體" pitchFamily="34" charset="-120"/>
             </a:endParaRPr>
           </a:p>
-          <a:p>
-            <a:pPr algn="ctr">
-              <a:buNone/>
-            </a:pPr>
-            <a:r>
-              <a:rPr lang="zh-CN" altLang="en-US" sz="5400" b="1" dirty="0">
-                <a:solidFill>
-                  <a:srgbClr val="000066"/>
-                </a:solidFill>
-                <a:latin typeface="微軟正黑體" pitchFamily="34" charset="-120"/>
-                <a:ea typeface="微軟正黑體" pitchFamily="34" charset="-120"/>
-              </a:rPr>
-              <a:t>也能洗淨無跡</a:t>
-            </a:r>
-            <a:endParaRPr lang="zh-TW" altLang="en-US" sz="5400" b="1" dirty="0">
-              <a:solidFill>
-                <a:srgbClr val="000066"/>
-              </a:solidFill>
-              <a:latin typeface="微軟正黑體" pitchFamily="34" charset="-120"/>
-              <a:ea typeface="微軟正黑體" pitchFamily="34" charset="-120"/>
-            </a:endParaRPr>
-          </a:p>
-        </p:txBody>
-      </p:sp>
-      <p:sp>
-        <p:nvSpPr>
-          <p:cNvPr id="6" name="TextBox 5"/>
+        </p:txBody>
+      </p:sp>
+      <p:sp>
+        <p:nvSpPr>
+          <p:cNvPr id="3" name="TextBox 2"/>
           <p:cNvSpPr txBox="1"/>
           <p:nvPr/>
         </p:nvSpPr>
         <p:spPr>
           <a:xfrm>
-            <a:off x="1703512" y="1579420"/>
-            <a:ext cx="1152128" cy="1015663"/>
+            <a:off x="0" y="5061181"/>
+            <a:ext cx="12192000" cy="666786"/>
           </a:xfrm>
           <a:prstGeom prst="rect">
             <a:avLst/>
@@ -3718,23 +4918,16 @@
           </a:bodyPr>
           <a:lstStyle/>
           <a:p>
-            <a:r>
-              <a:rPr lang="en-US" sz="6000" b="1" dirty="0">
+            <a:pPr algn="ctr"/>
+            <a:r>
+              <a:rPr lang="en-US" sz="3733" b="1" dirty="0">
                 <a:solidFill>
                   <a:srgbClr val="000066"/>
                 </a:solidFill>
               </a:rPr>
-              <a:t>2</a:t>
-            </a:r>
-            <a:r>
-              <a:rPr lang="en-US" sz="6000" b="1" dirty="0" smtClean="0">
-                <a:solidFill>
-                  <a:srgbClr val="000066"/>
-                </a:solidFill>
-              </a:rPr>
-              <a:t>.</a:t>
-            </a:r>
-            <a:endParaRPr lang="vi-VN" sz="6000" b="1" dirty="0">
+              <a:t>( 1 / 5 )</a:t>
+            </a:r>
+            <a:endParaRPr lang="vi-VN" sz="3733" b="1" dirty="0">
               <a:solidFill>
                 <a:srgbClr val="000066"/>
               </a:solidFill>
@@ -3743,10 +4936,22 @@
         </p:txBody>
       </p:sp>
     </p:spTree>
+    <p:extLst>
+      <p:ext uri="{BB962C8B-B14F-4D97-AF65-F5344CB8AC3E}">
+        <p14:creationId xmlns:p14="http://schemas.microsoft.com/office/powerpoint/2010/main" val="4009023981"/>
+      </p:ext>
+    </p:extLst>
   </p:cSld>
   <p:clrMapOvr>
     <a:masterClrMapping/>
   </p:clrMapOvr>
+  <p:timing>
+    <p:tnLst>
+      <p:par>
+        <p:cTn id="1" dur="indefinite" restart="never" nodeType="tmRoot"/>
+      </p:par>
+    </p:tnLst>
+  </p:timing>
 </p:sld>
 </file>
 
@@ -3769,30 +4974,55 @@
       </p:grpSpPr>
       <p:sp>
         <p:nvSpPr>
-          <p:cNvPr id="4" name="標題 3"/>
-          <p:cNvSpPr>
-            <a:spLocks noGrp="1"/>
-          </p:cNvSpPr>
-          <p:nvPr>
-            <p:ph type="title"/>
-          </p:nvPr>
-        </p:nvSpPr>
-        <p:spPr/>
-        <p:txBody>
-          <a:bodyPr/>
-          <a:lstStyle/>
-          <a:p>
-            <a:r>
-              <a:rPr lang="zh-CN" altLang="en-US" b="1" dirty="0" smtClean="0">
+          <p:cNvPr id="5" name="內容版面配置區 4"/>
+          <p:cNvSpPr>
+            <a:spLocks noGrp="1"/>
+          </p:cNvSpPr>
+          <p:nvPr>
+            <p:ph idx="1"/>
+          </p:nvPr>
+        </p:nvSpPr>
+        <p:spPr>
+          <a:xfrm>
+            <a:off x="0" y="2084851"/>
+            <a:ext cx="12192000" cy="2404863"/>
+          </a:xfrm>
+        </p:spPr>
+        <p:txBody>
+          <a:bodyPr anchor="ctr">
+            <a:normAutofit/>
+          </a:bodyPr>
+          <a:lstStyle/>
+          <a:p>
+            <a:pPr algn="ctr">
+              <a:buNone/>
+            </a:pPr>
+            <a:r>
+              <a:rPr lang="zh-TW" altLang="en-US" sz="6400" b="1" dirty="0">
                 <a:solidFill>
                   <a:srgbClr val="000066"/>
                 </a:solidFill>
                 <a:latin typeface="微軟正黑體" pitchFamily="34" charset="-120"/>
                 <a:ea typeface="微軟正黑體" pitchFamily="34" charset="-120"/>
               </a:rPr>
-              <a:t>流血之泉</a:t>
-            </a:r>
-            <a:endParaRPr lang="zh-TW" altLang="en-US" b="1" dirty="0">
+              <a:t>我心相信  我真相信</a:t>
+            </a:r>
+          </a:p>
+          <a:p>
+            <a:pPr algn="ctr">
+              <a:buNone/>
+            </a:pPr>
+            <a:r>
+              <a:rPr lang="zh-TW" altLang="en-US" sz="6400" b="1" dirty="0">
+                <a:solidFill>
+                  <a:srgbClr val="000066"/>
+                </a:solidFill>
+                <a:latin typeface="微軟正黑體" pitchFamily="34" charset="-120"/>
+                <a:ea typeface="微軟正黑體" pitchFamily="34" charset="-120"/>
+              </a:rPr>
+              <a:t>耶穌替我受害</a:t>
+            </a:r>
+            <a:endParaRPr lang="zh-TW" altLang="en-US" sz="6400" b="1" dirty="0">
               <a:solidFill>
                 <a:srgbClr val="000066"/>
               </a:solidFill>
@@ -3802,89 +5032,23 @@
           </a:p>
         </p:txBody>
       </p:sp>
-      <p:sp>
-        <p:nvSpPr>
-          <p:cNvPr id="5" name="內容版面配置區 4"/>
-          <p:cNvSpPr>
-            <a:spLocks noGrp="1"/>
-          </p:cNvSpPr>
-          <p:nvPr>
-            <p:ph idx="1"/>
-          </p:nvPr>
-        </p:nvSpPr>
-        <p:spPr/>
-        <p:txBody>
-          <a:bodyPr>
-            <a:normAutofit/>
-          </a:bodyPr>
-          <a:lstStyle/>
-          <a:p>
-            <a:pPr algn="ctr">
-              <a:buNone/>
-            </a:pPr>
-            <a:r>
-              <a:rPr lang="zh-TW" altLang="en-US" sz="5400" b="1" dirty="0">
-                <a:solidFill>
-                  <a:srgbClr val="000066"/>
-                </a:solidFill>
-                <a:latin typeface="微軟正黑體" pitchFamily="34" charset="-120"/>
-                <a:ea typeface="微軟正黑體" pitchFamily="34" charset="-120"/>
-              </a:rPr>
-              <a:t>我心相信 我真相信</a:t>
-            </a:r>
-          </a:p>
-          <a:p>
-            <a:pPr algn="ctr">
-              <a:buNone/>
-            </a:pPr>
-            <a:r>
-              <a:rPr lang="zh-TW" altLang="en-US" sz="5400" b="1" dirty="0">
-                <a:solidFill>
-                  <a:srgbClr val="000066"/>
-                </a:solidFill>
-                <a:latin typeface="微軟正黑體" pitchFamily="34" charset="-120"/>
-                <a:ea typeface="微軟正黑體" pitchFamily="34" charset="-120"/>
-              </a:rPr>
-              <a:t>耶穌替我受害</a:t>
-            </a:r>
-          </a:p>
-          <a:p>
-            <a:pPr algn="ctr">
-              <a:buNone/>
-            </a:pPr>
-            <a:r>
-              <a:rPr lang="zh-TW" altLang="en-US" sz="5400" b="1" dirty="0">
-                <a:solidFill>
-                  <a:srgbClr val="000066"/>
-                </a:solidFill>
-                <a:latin typeface="微軟正黑體" pitchFamily="34" charset="-120"/>
-                <a:ea typeface="微軟正黑體" pitchFamily="34" charset="-120"/>
-              </a:rPr>
-              <a:t>天父愛子這樣受死</a:t>
-            </a:r>
-          </a:p>
-          <a:p>
-            <a:pPr algn="ctr">
-              <a:buNone/>
-            </a:pPr>
-            <a:r>
-              <a:rPr lang="zh-TW" altLang="en-US" sz="5400" b="1" dirty="0">
-                <a:solidFill>
-                  <a:srgbClr val="000066"/>
-                </a:solidFill>
-                <a:latin typeface="微軟正黑體" pitchFamily="34" charset="-120"/>
-                <a:ea typeface="微軟正黑體" pitchFamily="34" charset="-120"/>
-              </a:rPr>
-              <a:t>焚身難報主愛</a:t>
-            </a:r>
-          </a:p>
-        </p:txBody>
-      </p:sp>
     </p:spTree>
+    <p:extLst>
+      <p:ext uri="{BB962C8B-B14F-4D97-AF65-F5344CB8AC3E}">
+        <p14:creationId xmlns:p14="http://schemas.microsoft.com/office/powerpoint/2010/main" val="2412567759"/>
+      </p:ext>
+    </p:extLst>
   </p:cSld>
   <p:clrMapOvr>
     <a:masterClrMapping/>
   </p:clrMapOvr>
+  <p:timing>
+    <p:tnLst>
+      <p:par>
+        <p:cTn id="1" dur="indefinite" restart="never" nodeType="tmRoot"/>
+      </p:par>
+    </p:tnLst>
+  </p:timing>
 </p:sld>
 </file>
 
@@ -3907,30 +5071,55 @@
       </p:grpSpPr>
       <p:sp>
         <p:nvSpPr>
-          <p:cNvPr id="4" name="標題 3"/>
-          <p:cNvSpPr>
-            <a:spLocks noGrp="1"/>
-          </p:cNvSpPr>
-          <p:nvPr>
-            <p:ph type="title"/>
-          </p:nvPr>
-        </p:nvSpPr>
-        <p:spPr/>
-        <p:txBody>
-          <a:bodyPr/>
-          <a:lstStyle/>
-          <a:p>
-            <a:r>
-              <a:rPr lang="zh-CN" altLang="en-US" b="1" dirty="0" smtClean="0">
+          <p:cNvPr id="5" name="內容版面配置區 4"/>
+          <p:cNvSpPr>
+            <a:spLocks noGrp="1"/>
+          </p:cNvSpPr>
+          <p:nvPr>
+            <p:ph idx="1"/>
+          </p:nvPr>
+        </p:nvSpPr>
+        <p:spPr>
+          <a:xfrm>
+            <a:off x="0" y="2084851"/>
+            <a:ext cx="12192000" cy="2404863"/>
+          </a:xfrm>
+        </p:spPr>
+        <p:txBody>
+          <a:bodyPr anchor="ctr">
+            <a:normAutofit/>
+          </a:bodyPr>
+          <a:lstStyle/>
+          <a:p>
+            <a:pPr algn="ctr">
+              <a:buNone/>
+            </a:pPr>
+            <a:r>
+              <a:rPr lang="zh-TW" altLang="en-US" sz="6400" b="1" dirty="0">
                 <a:solidFill>
                   <a:srgbClr val="000066"/>
                 </a:solidFill>
                 <a:latin typeface="微軟正黑體" pitchFamily="34" charset="-120"/>
                 <a:ea typeface="微軟正黑體" pitchFamily="34" charset="-120"/>
               </a:rPr>
-              <a:t>流血之泉</a:t>
-            </a:r>
-            <a:endParaRPr lang="zh-TW" altLang="en-US" b="1" dirty="0">
+              <a:t>天父愛子這樣受死</a:t>
+            </a:r>
+          </a:p>
+          <a:p>
+            <a:pPr algn="ctr">
+              <a:buNone/>
+            </a:pPr>
+            <a:r>
+              <a:rPr lang="zh-TW" altLang="en-US" sz="6400" b="1" dirty="0">
+                <a:solidFill>
+                  <a:srgbClr val="000066"/>
+                </a:solidFill>
+                <a:latin typeface="微軟正黑體" pitchFamily="34" charset="-120"/>
+                <a:ea typeface="微軟正黑體" pitchFamily="34" charset="-120"/>
+              </a:rPr>
+              <a:t>焚身難報主愛</a:t>
+            </a:r>
+            <a:endParaRPr lang="zh-TW" altLang="en-US" sz="6400" b="1" dirty="0">
               <a:solidFill>
                 <a:srgbClr val="000066"/>
               </a:solidFill>
@@ -3940,135 +5129,23 @@
           </a:p>
         </p:txBody>
       </p:sp>
-      <p:sp>
-        <p:nvSpPr>
-          <p:cNvPr id="5" name="內容版面配置區 4"/>
-          <p:cNvSpPr>
-            <a:spLocks noGrp="1"/>
-          </p:cNvSpPr>
-          <p:nvPr>
-            <p:ph idx="1"/>
-          </p:nvPr>
-        </p:nvSpPr>
-        <p:spPr/>
-        <p:txBody>
-          <a:bodyPr>
-            <a:normAutofit/>
-          </a:bodyPr>
-          <a:lstStyle/>
-          <a:p>
-            <a:pPr algn="ctr">
-              <a:buNone/>
-            </a:pPr>
-            <a:r>
-              <a:rPr lang="zh-TW" altLang="en-US" sz="5400" b="1" dirty="0">
-                <a:solidFill>
-                  <a:srgbClr val="000066"/>
-                </a:solidFill>
-                <a:latin typeface="微軟正黑體" pitchFamily="34" charset="-120"/>
-                <a:ea typeface="微軟正黑體" pitchFamily="34" charset="-120"/>
-              </a:rPr>
-              <a:t>親愛救主你寶貝血</a:t>
-            </a:r>
-          </a:p>
-          <a:p>
-            <a:pPr algn="ctr">
-              <a:buNone/>
-            </a:pPr>
-            <a:r>
-              <a:rPr lang="zh-TW" altLang="en-US" sz="5400" b="1" dirty="0">
-                <a:solidFill>
-                  <a:srgbClr val="000066"/>
-                </a:solidFill>
-                <a:latin typeface="微軟正黑體" pitchFamily="34" charset="-120"/>
-                <a:ea typeface="微軟正黑體" pitchFamily="34" charset="-120"/>
-              </a:rPr>
-              <a:t>永世不會失效</a:t>
-            </a:r>
-          </a:p>
-          <a:p>
-            <a:pPr algn="ctr">
-              <a:buNone/>
-            </a:pPr>
-            <a:r>
-              <a:rPr lang="zh-TW" altLang="en-US" sz="5400" b="1" dirty="0">
-                <a:solidFill>
-                  <a:srgbClr val="000066"/>
-                </a:solidFill>
-                <a:latin typeface="微軟正黑體" pitchFamily="34" charset="-120"/>
-                <a:ea typeface="微軟正黑體" pitchFamily="34" charset="-120"/>
-              </a:rPr>
-              <a:t>直到天父救贖眾民</a:t>
-            </a:r>
-          </a:p>
-          <a:p>
-            <a:pPr algn="ctr">
-              <a:buNone/>
-            </a:pPr>
-            <a:r>
-              <a:rPr lang="zh-TW" altLang="en-US" sz="5400" b="1" dirty="0">
-                <a:solidFill>
-                  <a:srgbClr val="000066"/>
-                </a:solidFill>
-                <a:latin typeface="微軟正黑體" pitchFamily="34" charset="-120"/>
-                <a:ea typeface="微軟正黑體" pitchFamily="34" charset="-120"/>
-              </a:rPr>
-              <a:t>罪惡一概洗掉</a:t>
-            </a:r>
-          </a:p>
-        </p:txBody>
-      </p:sp>
-      <p:sp>
-        <p:nvSpPr>
-          <p:cNvPr id="6" name="TextBox 5"/>
-          <p:cNvSpPr txBox="1"/>
-          <p:nvPr/>
-        </p:nvSpPr>
-        <p:spPr>
-          <a:xfrm>
-            <a:off x="1703512" y="1579420"/>
-            <a:ext cx="1152128" cy="1015663"/>
-          </a:xfrm>
-          <a:prstGeom prst="rect">
-            <a:avLst/>
-          </a:prstGeom>
-          <a:noFill/>
-        </p:spPr>
-        <p:txBody>
-          <a:bodyPr wrap="square" rtlCol="0">
-            <a:spAutoFit/>
-          </a:bodyPr>
-          <a:lstStyle/>
-          <a:p>
-            <a:r>
-              <a:rPr lang="en-US" sz="6000" b="1" dirty="0">
-                <a:solidFill>
-                  <a:srgbClr val="000066"/>
-                </a:solidFill>
-              </a:rPr>
-              <a:t>3</a:t>
-            </a:r>
-            <a:r>
-              <a:rPr lang="en-US" sz="6000" b="1" dirty="0" smtClean="0">
-                <a:solidFill>
-                  <a:srgbClr val="000066"/>
-                </a:solidFill>
-              </a:rPr>
-              <a:t>.</a:t>
-            </a:r>
-            <a:endParaRPr lang="vi-VN" sz="6000" b="1" dirty="0">
-              <a:solidFill>
-                <a:srgbClr val="000066"/>
-              </a:solidFill>
-            </a:endParaRPr>
-          </a:p>
-        </p:txBody>
-      </p:sp>
     </p:spTree>
+    <p:extLst>
+      <p:ext uri="{BB962C8B-B14F-4D97-AF65-F5344CB8AC3E}">
+        <p14:creationId xmlns:p14="http://schemas.microsoft.com/office/powerpoint/2010/main" val="961786032"/>
+      </p:ext>
+    </p:extLst>
   </p:cSld>
   <p:clrMapOvr>
     <a:masterClrMapping/>
   </p:clrMapOvr>
+  <p:timing>
+    <p:tnLst>
+      <p:par>
+        <p:cTn id="1" dur="indefinite" restart="never" nodeType="tmRoot"/>
+      </p:par>
+    </p:tnLst>
+  </p:timing>
 </p:sld>
 </file>
 
@@ -4091,30 +5168,55 @@
       </p:grpSpPr>
       <p:sp>
         <p:nvSpPr>
-          <p:cNvPr id="4" name="標題 3"/>
-          <p:cNvSpPr>
-            <a:spLocks noGrp="1"/>
-          </p:cNvSpPr>
-          <p:nvPr>
-            <p:ph type="title"/>
-          </p:nvPr>
-        </p:nvSpPr>
-        <p:spPr/>
-        <p:txBody>
-          <a:bodyPr/>
-          <a:lstStyle/>
-          <a:p>
-            <a:r>
-              <a:rPr lang="zh-CN" altLang="en-US" b="1" dirty="0" smtClean="0">
+          <p:cNvPr id="5" name="內容版面配置區 4"/>
+          <p:cNvSpPr>
+            <a:spLocks noGrp="1"/>
+          </p:cNvSpPr>
+          <p:nvPr>
+            <p:ph idx="1"/>
+          </p:nvPr>
+        </p:nvSpPr>
+        <p:spPr>
+          <a:xfrm>
+            <a:off x="0" y="2084851"/>
+            <a:ext cx="12192000" cy="2404863"/>
+          </a:xfrm>
+        </p:spPr>
+        <p:txBody>
+          <a:bodyPr anchor="ctr">
+            <a:normAutofit/>
+          </a:bodyPr>
+          <a:lstStyle/>
+          <a:p>
+            <a:pPr algn="ctr">
+              <a:buNone/>
+            </a:pPr>
+            <a:r>
+              <a:rPr lang="zh-TW" altLang="en-US" sz="6400" b="1" dirty="0">
                 <a:solidFill>
                   <a:srgbClr val="000066"/>
                 </a:solidFill>
                 <a:latin typeface="微軟正黑體" pitchFamily="34" charset="-120"/>
                 <a:ea typeface="微軟正黑體" pitchFamily="34" charset="-120"/>
               </a:rPr>
-              <a:t>流血之泉</a:t>
-            </a:r>
-            <a:endParaRPr lang="zh-TW" altLang="en-US" b="1" dirty="0">
+              <a:t>盜賊臨死切心求救</a:t>
+            </a:r>
+          </a:p>
+          <a:p>
+            <a:pPr algn="ctr">
+              <a:buNone/>
+            </a:pPr>
+            <a:r>
+              <a:rPr lang="zh-TW" altLang="en-US" sz="6400" b="1" dirty="0">
+                <a:solidFill>
+                  <a:srgbClr val="000066"/>
+                </a:solidFill>
+                <a:latin typeface="微軟正黑體" pitchFamily="34" charset="-120"/>
+                <a:ea typeface="微軟正黑體" pitchFamily="34" charset="-120"/>
+              </a:rPr>
+              <a:t>得見此泉喜歡</a:t>
+            </a:r>
+            <a:endParaRPr lang="zh-TW" altLang="en-US" sz="6400" b="1" dirty="0">
               <a:solidFill>
                 <a:srgbClr val="000066"/>
               </a:solidFill>
@@ -4126,97 +5228,60 @@
       </p:sp>
       <p:sp>
         <p:nvSpPr>
-          <p:cNvPr id="5" name="內容版面配置區 4"/>
-          <p:cNvSpPr>
-            <a:spLocks noGrp="1"/>
-          </p:cNvSpPr>
-          <p:nvPr>
-            <p:ph idx="1"/>
-          </p:nvPr>
-        </p:nvSpPr>
-        <p:spPr/>
-        <p:txBody>
-          <a:bodyPr>
-            <a:normAutofit/>
+          <p:cNvPr id="3" name="TextBox 2"/>
+          <p:cNvSpPr txBox="1"/>
+          <p:nvPr/>
+        </p:nvSpPr>
+        <p:spPr>
+          <a:xfrm>
+            <a:off x="0" y="5061181"/>
+            <a:ext cx="12192000" cy="666786"/>
+          </a:xfrm>
+          <a:prstGeom prst="rect">
+            <a:avLst/>
+          </a:prstGeom>
+          <a:noFill/>
+        </p:spPr>
+        <p:txBody>
+          <a:bodyPr wrap="square" rtlCol="0">
+            <a:spAutoFit/>
           </a:bodyPr>
           <a:lstStyle/>
           <a:p>
-            <a:pPr algn="ctr">
-              <a:buNone/>
-            </a:pPr>
-            <a:r>
-              <a:rPr lang="zh-TW" altLang="en-US" sz="5400" b="1" dirty="0" smtClean="0">
+            <a:pPr algn="ctr"/>
+            <a:r>
+              <a:rPr lang="en-US" sz="3733" b="1" dirty="0">
                 <a:solidFill>
                   <a:srgbClr val="000066"/>
                 </a:solidFill>
-                <a:latin typeface="微軟正黑體" pitchFamily="34" charset="-120"/>
-                <a:ea typeface="微軟正黑體" pitchFamily="34" charset="-120"/>
               </a:rPr>
-              <a:t>我心相信 我真相信</a:t>
-            </a:r>
-          </a:p>
-          <a:p>
-            <a:pPr algn="ctr">
-              <a:buNone/>
-            </a:pPr>
-            <a:r>
-              <a:rPr lang="zh-TW" altLang="en-US" sz="5400" b="1" dirty="0" smtClean="0">
-                <a:solidFill>
-                  <a:srgbClr val="000066"/>
-                </a:solidFill>
-                <a:latin typeface="微軟正黑體" pitchFamily="34" charset="-120"/>
-                <a:ea typeface="微軟正黑體" pitchFamily="34" charset="-120"/>
-              </a:rPr>
-              <a:t>耶穌替我受害</a:t>
-            </a:r>
-          </a:p>
-          <a:p>
-            <a:pPr algn="ctr">
-              <a:buNone/>
-            </a:pPr>
-            <a:r>
-              <a:rPr lang="zh-TW" altLang="en-US" sz="5400" b="1" dirty="0" smtClean="0">
-                <a:solidFill>
-                  <a:srgbClr val="000066"/>
-                </a:solidFill>
-                <a:latin typeface="微軟正黑體" pitchFamily="34" charset="-120"/>
-                <a:ea typeface="微軟正黑體" pitchFamily="34" charset="-120"/>
-              </a:rPr>
-              <a:t>天父愛子這樣受死</a:t>
-            </a:r>
-          </a:p>
-          <a:p>
-            <a:pPr algn="ctr">
-              <a:buNone/>
-            </a:pPr>
-            <a:r>
-              <a:rPr lang="zh-TW" altLang="en-US" sz="5400" b="1" dirty="0" smtClean="0">
-                <a:solidFill>
-                  <a:srgbClr val="000066"/>
-                </a:solidFill>
-                <a:latin typeface="微軟正黑體" pitchFamily="34" charset="-120"/>
-                <a:ea typeface="微軟正黑體" pitchFamily="34" charset="-120"/>
-              </a:rPr>
-              <a:t>焚</a:t>
-            </a:r>
-            <a:r>
-              <a:rPr lang="zh-TW" altLang="en-US" sz="5400" b="1" dirty="0">
-                <a:solidFill>
-                  <a:srgbClr val="000066"/>
-                </a:solidFill>
-                <a:latin typeface="微軟正黑體" pitchFamily="34" charset="-120"/>
-                <a:ea typeface="微軟正黑體" pitchFamily="34" charset="-120"/>
-              </a:rPr>
-              <a:t>身難報主愛</a:t>
-            </a:r>
+              <a:t>( 2 / 5 )</a:t>
+            </a:r>
+            <a:endParaRPr lang="vi-VN" sz="3733" b="1" dirty="0">
+              <a:solidFill>
+                <a:srgbClr val="000066"/>
+              </a:solidFill>
+            </a:endParaRPr>
           </a:p>
         </p:txBody>
       </p:sp>
     </p:spTree>
+    <p:extLst>
+      <p:ext uri="{BB962C8B-B14F-4D97-AF65-F5344CB8AC3E}">
+        <p14:creationId xmlns:p14="http://schemas.microsoft.com/office/powerpoint/2010/main" val="1663857085"/>
+      </p:ext>
+    </p:extLst>
   </p:cSld>
   <p:clrMapOvr>
     <a:masterClrMapping/>
   </p:clrMapOvr>
+  <p:timing>
+    <p:tnLst>
+      <p:par>
+        <p:cTn id="1" dur="indefinite" restart="never" nodeType="tmRoot"/>
+      </p:par>
+    </p:tnLst>
+  </p:timing>
 </p:sld>
 </file>
 
@@ -4239,30 +5304,40 @@
       </p:grpSpPr>
       <p:sp>
         <p:nvSpPr>
-          <p:cNvPr id="4" name="標題 3"/>
-          <p:cNvSpPr>
-            <a:spLocks noGrp="1"/>
-          </p:cNvSpPr>
-          <p:nvPr>
-            <p:ph type="title"/>
-          </p:nvPr>
-        </p:nvSpPr>
-        <p:spPr/>
-        <p:txBody>
-          <a:bodyPr/>
-          <a:lstStyle/>
-          <a:p>
-            <a:r>
-              <a:rPr lang="zh-CN" altLang="en-US" b="1" dirty="0" smtClean="0">
+          <p:cNvPr id="5" name="內容版面配置區 4"/>
+          <p:cNvSpPr>
+            <a:spLocks noGrp="1"/>
+          </p:cNvSpPr>
+          <p:nvPr>
+            <p:ph idx="1"/>
+          </p:nvPr>
+        </p:nvSpPr>
+        <p:spPr>
+          <a:xfrm>
+            <a:off x="0" y="2084851"/>
+            <a:ext cx="12192000" cy="2404863"/>
+          </a:xfrm>
+        </p:spPr>
+        <p:txBody>
+          <a:bodyPr anchor="ctr">
+            <a:normAutofit/>
+          </a:bodyPr>
+          <a:lstStyle/>
+          <a:p>
+            <a:pPr algn="ctr">
+              <a:buNone/>
+            </a:pPr>
+            <a:r>
+              <a:rPr lang="zh-CN" altLang="en-US" sz="6400" b="1" dirty="0">
                 <a:solidFill>
                   <a:srgbClr val="000066"/>
                 </a:solidFill>
                 <a:latin typeface="微軟正黑體" pitchFamily="34" charset="-120"/>
                 <a:ea typeface="微軟正黑體" pitchFamily="34" charset="-120"/>
               </a:rPr>
-              <a:t>流血之泉</a:t>
-            </a:r>
-            <a:endParaRPr lang="zh-TW" altLang="en-US" b="1" dirty="0">
+              <a:t>我罪雖多永生絕望</a:t>
+            </a:r>
+            <a:endParaRPr lang="zh-TW" altLang="en-US" sz="6400" b="1" dirty="0">
               <a:solidFill>
                 <a:srgbClr val="000066"/>
               </a:solidFill>
@@ -4270,96 +5345,40 @@
               <a:ea typeface="微軟正黑體" pitchFamily="34" charset="-120"/>
             </a:endParaRPr>
           </a:p>
-        </p:txBody>
-      </p:sp>
-      <p:sp>
-        <p:nvSpPr>
-          <p:cNvPr id="5" name="內容版面配置區 4"/>
-          <p:cNvSpPr>
-            <a:spLocks noGrp="1"/>
-          </p:cNvSpPr>
-          <p:nvPr>
-            <p:ph idx="1"/>
-          </p:nvPr>
-        </p:nvSpPr>
-        <p:spPr/>
-        <p:txBody>
-          <a:bodyPr>
-            <a:normAutofit/>
-          </a:bodyPr>
-          <a:lstStyle/>
           <a:p>
             <a:pPr algn="ctr">
               <a:buNone/>
             </a:pPr>
             <a:r>
-              <a:rPr lang="zh-TW" altLang="en-US" sz="5400" b="1" dirty="0">
+              <a:rPr lang="zh-CN" altLang="en-US" sz="6400" b="1" dirty="0">
                 <a:solidFill>
                   <a:srgbClr val="000066"/>
                 </a:solidFill>
                 <a:latin typeface="微軟正黑體" pitchFamily="34" charset="-120"/>
                 <a:ea typeface="微軟正黑體" pitchFamily="34" charset="-120"/>
               </a:rPr>
-              <a:t>自從一看主傷流血</a:t>
-            </a:r>
-          </a:p>
-          <a:p>
-            <a:pPr algn="ctr">
-              <a:buNone/>
-            </a:pPr>
-            <a:r>
-              <a:rPr lang="zh-TW" altLang="en-US" sz="5400" b="1" dirty="0">
-                <a:solidFill>
-                  <a:srgbClr val="000066"/>
-                </a:solidFill>
-                <a:latin typeface="微軟正黑體" pitchFamily="34" charset="-120"/>
-                <a:ea typeface="微軟正黑體" pitchFamily="34" charset="-120"/>
-              </a:rPr>
-              <a:t>成這贖罪泉源</a:t>
-            </a:r>
-          </a:p>
-          <a:p>
-            <a:pPr algn="ctr">
-              <a:buNone/>
-            </a:pPr>
-            <a:r>
-              <a:rPr lang="zh-TW" altLang="en-US" sz="5400" b="1" dirty="0">
-                <a:solidFill>
-                  <a:srgbClr val="000066"/>
-                </a:solidFill>
-                <a:latin typeface="微軟正黑體" pitchFamily="34" charset="-120"/>
-                <a:ea typeface="微軟正黑體" pitchFamily="34" charset="-120"/>
-              </a:rPr>
-              <a:t>贖罪妙恩我常傳揚</a:t>
-            </a:r>
-          </a:p>
-          <a:p>
-            <a:pPr algn="ctr">
-              <a:buNone/>
-            </a:pPr>
-            <a:r>
-              <a:rPr lang="zh-TW" altLang="en-US" sz="5400" b="1" dirty="0">
-                <a:solidFill>
-                  <a:srgbClr val="000066"/>
-                </a:solidFill>
-                <a:latin typeface="微軟正黑體" pitchFamily="34" charset="-120"/>
-                <a:ea typeface="微軟正黑體" pitchFamily="34" charset="-120"/>
-              </a:rPr>
-              <a:t>至死仍然要傳</a:t>
-            </a:r>
-          </a:p>
-        </p:txBody>
-      </p:sp>
-      <p:sp>
-        <p:nvSpPr>
-          <p:cNvPr id="6" name="TextBox 5"/>
+              <a:t>也能洗淨無跡</a:t>
+            </a:r>
+            <a:endParaRPr lang="zh-TW" altLang="en-US" sz="6400" b="1" dirty="0">
+              <a:solidFill>
+                <a:srgbClr val="000066"/>
+              </a:solidFill>
+              <a:latin typeface="微軟正黑體" pitchFamily="34" charset="-120"/>
+              <a:ea typeface="微軟正黑體" pitchFamily="34" charset="-120"/>
+            </a:endParaRPr>
+          </a:p>
+        </p:txBody>
+      </p:sp>
+      <p:sp>
+        <p:nvSpPr>
+          <p:cNvPr id="3" name="TextBox 2"/>
           <p:cNvSpPr txBox="1"/>
           <p:nvPr/>
         </p:nvSpPr>
         <p:spPr>
           <a:xfrm>
-            <a:off x="1703512" y="1579420"/>
-            <a:ext cx="1152128" cy="1015663"/>
+            <a:off x="0" y="5061181"/>
+            <a:ext cx="12192000" cy="666786"/>
           </a:xfrm>
           <a:prstGeom prst="rect">
             <a:avLst/>
@@ -4372,23 +5391,16 @@
           </a:bodyPr>
           <a:lstStyle/>
           <a:p>
-            <a:r>
-              <a:rPr lang="en-US" sz="6000" b="1" dirty="0">
+            <a:pPr algn="ctr"/>
+            <a:r>
+              <a:rPr lang="en-US" sz="3733" b="1" dirty="0">
                 <a:solidFill>
                   <a:srgbClr val="000066"/>
                 </a:solidFill>
               </a:rPr>
-              <a:t>4</a:t>
-            </a:r>
-            <a:r>
-              <a:rPr lang="en-US" sz="6000" b="1" dirty="0" smtClean="0">
-                <a:solidFill>
-                  <a:srgbClr val="000066"/>
-                </a:solidFill>
-              </a:rPr>
-              <a:t>.</a:t>
-            </a:r>
-            <a:endParaRPr lang="vi-VN" sz="6000" b="1" dirty="0">
+              <a:t>( 2 / 5 )</a:t>
+            </a:r>
+            <a:endParaRPr lang="vi-VN" sz="3733" b="1" dirty="0">
               <a:solidFill>
                 <a:srgbClr val="000066"/>
               </a:solidFill>
@@ -4397,10 +5409,22 @@
         </p:txBody>
       </p:sp>
     </p:spTree>
+    <p:extLst>
+      <p:ext uri="{BB962C8B-B14F-4D97-AF65-F5344CB8AC3E}">
+        <p14:creationId xmlns:p14="http://schemas.microsoft.com/office/powerpoint/2010/main" val="1619912837"/>
+      </p:ext>
+    </p:extLst>
   </p:cSld>
   <p:clrMapOvr>
     <a:masterClrMapping/>
   </p:clrMapOvr>
+  <p:timing>
+    <p:tnLst>
+      <p:par>
+        <p:cTn id="1" dur="indefinite" restart="never" nodeType="tmRoot"/>
+      </p:par>
+    </p:tnLst>
+  </p:timing>
 </p:sld>
 </file>
 
@@ -4423,30 +5447,55 @@
       </p:grpSpPr>
       <p:sp>
         <p:nvSpPr>
-          <p:cNvPr id="4" name="標題 3"/>
-          <p:cNvSpPr>
-            <a:spLocks noGrp="1"/>
-          </p:cNvSpPr>
-          <p:nvPr>
-            <p:ph type="title"/>
-          </p:nvPr>
-        </p:nvSpPr>
-        <p:spPr/>
-        <p:txBody>
-          <a:bodyPr/>
-          <a:lstStyle/>
-          <a:p>
-            <a:r>
-              <a:rPr lang="zh-CN" altLang="en-US" b="1" dirty="0" smtClean="0">
+          <p:cNvPr id="5" name="內容版面配置區 4"/>
+          <p:cNvSpPr>
+            <a:spLocks noGrp="1"/>
+          </p:cNvSpPr>
+          <p:nvPr>
+            <p:ph idx="1"/>
+          </p:nvPr>
+        </p:nvSpPr>
+        <p:spPr>
+          <a:xfrm>
+            <a:off x="0" y="2084851"/>
+            <a:ext cx="12192000" cy="2404863"/>
+          </a:xfrm>
+        </p:spPr>
+        <p:txBody>
+          <a:bodyPr anchor="ctr">
+            <a:normAutofit/>
+          </a:bodyPr>
+          <a:lstStyle/>
+          <a:p>
+            <a:pPr algn="ctr">
+              <a:buNone/>
+            </a:pPr>
+            <a:r>
+              <a:rPr lang="zh-TW" altLang="en-US" sz="6400" b="1" dirty="0">
                 <a:solidFill>
                   <a:srgbClr val="000066"/>
                 </a:solidFill>
                 <a:latin typeface="微軟正黑體" pitchFamily="34" charset="-120"/>
                 <a:ea typeface="微軟正黑體" pitchFamily="34" charset="-120"/>
               </a:rPr>
-              <a:t>流血之泉</a:t>
-            </a:r>
-            <a:endParaRPr lang="zh-TW" altLang="en-US" b="1" dirty="0">
+              <a:t>我心相信  我真相信</a:t>
+            </a:r>
+          </a:p>
+          <a:p>
+            <a:pPr algn="ctr">
+              <a:buNone/>
+            </a:pPr>
+            <a:r>
+              <a:rPr lang="zh-TW" altLang="en-US" sz="6400" b="1" dirty="0">
+                <a:solidFill>
+                  <a:srgbClr val="000066"/>
+                </a:solidFill>
+                <a:latin typeface="微軟正黑體" pitchFamily="34" charset="-120"/>
+                <a:ea typeface="微軟正黑體" pitchFamily="34" charset="-120"/>
+              </a:rPr>
+              <a:t>耶穌替我受害</a:t>
+            </a:r>
+            <a:endParaRPr lang="zh-TW" altLang="en-US" sz="6400" b="1" dirty="0">
               <a:solidFill>
                 <a:srgbClr val="000066"/>
               </a:solidFill>
@@ -4456,89 +5505,23 @@
           </a:p>
         </p:txBody>
       </p:sp>
-      <p:sp>
-        <p:nvSpPr>
-          <p:cNvPr id="5" name="內容版面配置區 4"/>
-          <p:cNvSpPr>
-            <a:spLocks noGrp="1"/>
-          </p:cNvSpPr>
-          <p:nvPr>
-            <p:ph idx="1"/>
-          </p:nvPr>
-        </p:nvSpPr>
-        <p:spPr/>
-        <p:txBody>
-          <a:bodyPr>
-            <a:normAutofit/>
-          </a:bodyPr>
-          <a:lstStyle/>
-          <a:p>
-            <a:pPr algn="ctr">
-              <a:buNone/>
-            </a:pPr>
-            <a:r>
-              <a:rPr lang="zh-TW" altLang="en-US" sz="5400" b="1" dirty="0">
-                <a:solidFill>
-                  <a:srgbClr val="000066"/>
-                </a:solidFill>
-                <a:latin typeface="微軟正黑體" pitchFamily="34" charset="-120"/>
-                <a:ea typeface="微軟正黑體" pitchFamily="34" charset="-120"/>
-              </a:rPr>
-              <a:t>我心相信 我真相信</a:t>
-            </a:r>
-          </a:p>
-          <a:p>
-            <a:pPr algn="ctr">
-              <a:buNone/>
-            </a:pPr>
-            <a:r>
-              <a:rPr lang="zh-TW" altLang="en-US" sz="5400" b="1" dirty="0">
-                <a:solidFill>
-                  <a:srgbClr val="000066"/>
-                </a:solidFill>
-                <a:latin typeface="微軟正黑體" pitchFamily="34" charset="-120"/>
-                <a:ea typeface="微軟正黑體" pitchFamily="34" charset="-120"/>
-              </a:rPr>
-              <a:t>耶穌替我受害</a:t>
-            </a:r>
-          </a:p>
-          <a:p>
-            <a:pPr algn="ctr">
-              <a:buNone/>
-            </a:pPr>
-            <a:r>
-              <a:rPr lang="zh-TW" altLang="en-US" sz="5400" b="1" dirty="0">
-                <a:solidFill>
-                  <a:srgbClr val="000066"/>
-                </a:solidFill>
-                <a:latin typeface="微軟正黑體" pitchFamily="34" charset="-120"/>
-                <a:ea typeface="微軟正黑體" pitchFamily="34" charset="-120"/>
-              </a:rPr>
-              <a:t>天父愛子這樣受死</a:t>
-            </a:r>
-          </a:p>
-          <a:p>
-            <a:pPr algn="ctr">
-              <a:buNone/>
-            </a:pPr>
-            <a:r>
-              <a:rPr lang="zh-TW" altLang="en-US" sz="5400" b="1" dirty="0">
-                <a:solidFill>
-                  <a:srgbClr val="000066"/>
-                </a:solidFill>
-                <a:latin typeface="微軟正黑體" pitchFamily="34" charset="-120"/>
-                <a:ea typeface="微軟正黑體" pitchFamily="34" charset="-120"/>
-              </a:rPr>
-              <a:t>焚身難報主愛</a:t>
-            </a:r>
-          </a:p>
-        </p:txBody>
-      </p:sp>
     </p:spTree>
+    <p:extLst>
+      <p:ext uri="{BB962C8B-B14F-4D97-AF65-F5344CB8AC3E}">
+        <p14:creationId xmlns:p14="http://schemas.microsoft.com/office/powerpoint/2010/main" val="438536206"/>
+      </p:ext>
+    </p:extLst>
   </p:cSld>
   <p:clrMapOvr>
     <a:masterClrMapping/>
   </p:clrMapOvr>
+  <p:timing>
+    <p:tnLst>
+      <p:par>
+        <p:cTn id="1" dur="indefinite" restart="never" nodeType="tmRoot"/>
+      </p:par>
+    </p:tnLst>
+  </p:timing>
 </p:sld>
 </file>
 
@@ -4561,30 +5544,55 @@
       </p:grpSpPr>
       <p:sp>
         <p:nvSpPr>
-          <p:cNvPr id="4" name="標題 3"/>
-          <p:cNvSpPr>
-            <a:spLocks noGrp="1"/>
-          </p:cNvSpPr>
-          <p:nvPr>
-            <p:ph type="title"/>
-          </p:nvPr>
-        </p:nvSpPr>
-        <p:spPr/>
-        <p:txBody>
-          <a:bodyPr/>
-          <a:lstStyle/>
-          <a:p>
-            <a:r>
-              <a:rPr lang="zh-CN" altLang="en-US" b="1" dirty="0" smtClean="0">
+          <p:cNvPr id="5" name="內容版面配置區 4"/>
+          <p:cNvSpPr>
+            <a:spLocks noGrp="1"/>
+          </p:cNvSpPr>
+          <p:nvPr>
+            <p:ph idx="1"/>
+          </p:nvPr>
+        </p:nvSpPr>
+        <p:spPr>
+          <a:xfrm>
+            <a:off x="0" y="2084851"/>
+            <a:ext cx="12192000" cy="2404863"/>
+          </a:xfrm>
+        </p:spPr>
+        <p:txBody>
+          <a:bodyPr anchor="ctr">
+            <a:normAutofit/>
+          </a:bodyPr>
+          <a:lstStyle/>
+          <a:p>
+            <a:pPr algn="ctr">
+              <a:buNone/>
+            </a:pPr>
+            <a:r>
+              <a:rPr lang="zh-TW" altLang="en-US" sz="6400" b="1" dirty="0">
                 <a:solidFill>
                   <a:srgbClr val="000066"/>
                 </a:solidFill>
                 <a:latin typeface="微軟正黑體" pitchFamily="34" charset="-120"/>
                 <a:ea typeface="微軟正黑體" pitchFamily="34" charset="-120"/>
               </a:rPr>
-              <a:t>流血之泉</a:t>
-            </a:r>
-            <a:endParaRPr lang="zh-TW" altLang="en-US" b="1" dirty="0">
+              <a:t>天父愛子這樣受死</a:t>
+            </a:r>
+          </a:p>
+          <a:p>
+            <a:pPr algn="ctr">
+              <a:buNone/>
+            </a:pPr>
+            <a:r>
+              <a:rPr lang="zh-TW" altLang="en-US" sz="6400" b="1" dirty="0">
+                <a:solidFill>
+                  <a:srgbClr val="000066"/>
+                </a:solidFill>
+                <a:latin typeface="微軟正黑體" pitchFamily="34" charset="-120"/>
+                <a:ea typeface="微軟正黑體" pitchFamily="34" charset="-120"/>
+              </a:rPr>
+              <a:t>焚身難報主愛</a:t>
+            </a:r>
+            <a:endParaRPr lang="zh-TW" altLang="en-US" sz="6400" b="1" dirty="0">
               <a:solidFill>
                 <a:srgbClr val="000066"/>
               </a:solidFill>
@@ -4594,149 +5602,23 @@
           </a:p>
         </p:txBody>
       </p:sp>
-      <p:sp>
-        <p:nvSpPr>
-          <p:cNvPr id="5" name="內容版面配置區 4"/>
-          <p:cNvSpPr>
-            <a:spLocks noGrp="1"/>
-          </p:cNvSpPr>
-          <p:nvPr>
-            <p:ph idx="1"/>
-          </p:nvPr>
-        </p:nvSpPr>
-        <p:spPr/>
-        <p:txBody>
-          <a:bodyPr>
-            <a:normAutofit/>
-          </a:bodyPr>
-          <a:lstStyle/>
-          <a:p>
-            <a:pPr algn="ctr">
-              <a:buNone/>
-            </a:pPr>
-            <a:r>
-              <a:rPr lang="zh-CN" altLang="en-US" sz="5400" b="1" dirty="0">
-                <a:solidFill>
-                  <a:srgbClr val="000066"/>
-                </a:solidFill>
-                <a:latin typeface="微軟正黑體" pitchFamily="34" charset="-120"/>
-                <a:ea typeface="微軟正黑體" pitchFamily="34" charset="-120"/>
-              </a:rPr>
-              <a:t>等到去世拙口笨舌</a:t>
-            </a:r>
-            <a:endParaRPr lang="zh-TW" altLang="en-US" sz="5400" b="1" dirty="0">
-              <a:solidFill>
-                <a:srgbClr val="000066"/>
-              </a:solidFill>
-              <a:latin typeface="微軟正黑體" pitchFamily="34" charset="-120"/>
-              <a:ea typeface="微軟正黑體" pitchFamily="34" charset="-120"/>
-            </a:endParaRPr>
-          </a:p>
-          <a:p>
-            <a:pPr algn="ctr">
-              <a:buNone/>
-            </a:pPr>
-            <a:r>
-              <a:rPr lang="zh-TW" altLang="en-US" sz="5400" b="1" dirty="0">
-                <a:solidFill>
-                  <a:srgbClr val="000066"/>
-                </a:solidFill>
-                <a:latin typeface="微軟正黑體" pitchFamily="34" charset="-120"/>
-                <a:ea typeface="微軟正黑體" pitchFamily="34" charset="-120"/>
-              </a:rPr>
-              <a:t>無聲在墳墓中</a:t>
-            </a:r>
-          </a:p>
-          <a:p>
-            <a:pPr algn="ctr">
-              <a:buNone/>
-            </a:pPr>
-            <a:r>
-              <a:rPr lang="zh-TW" altLang="en-US" sz="5400" b="1" dirty="0">
-                <a:solidFill>
-                  <a:srgbClr val="000066"/>
-                </a:solidFill>
-                <a:latin typeface="微軟正黑體" pitchFamily="34" charset="-120"/>
-                <a:ea typeface="微軟正黑體" pitchFamily="34" charset="-120"/>
-              </a:rPr>
-              <a:t>在天還要歌聲更美</a:t>
-            </a:r>
-          </a:p>
-          <a:p>
-            <a:pPr algn="ctr">
-              <a:buNone/>
-            </a:pPr>
-            <a:r>
-              <a:rPr lang="zh-CN" altLang="en-US" sz="5400" b="1" dirty="0">
-                <a:solidFill>
-                  <a:srgbClr val="000066"/>
-                </a:solidFill>
-                <a:latin typeface="微軟正黑體" pitchFamily="34" charset="-120"/>
-                <a:ea typeface="微軟正黑體" pitchFamily="34" charset="-120"/>
-              </a:rPr>
-              <a:t>頌主救人大功</a:t>
-            </a:r>
-            <a:endParaRPr lang="zh-TW" altLang="en-US" sz="5400" b="1" dirty="0">
-              <a:solidFill>
-                <a:srgbClr val="000066"/>
-              </a:solidFill>
-              <a:latin typeface="微軟正黑體" pitchFamily="34" charset="-120"/>
-              <a:ea typeface="微軟正黑體" pitchFamily="34" charset="-120"/>
-            </a:endParaRPr>
-          </a:p>
-        </p:txBody>
-      </p:sp>
-      <p:sp>
-        <p:nvSpPr>
-          <p:cNvPr id="6" name="TextBox 5"/>
-          <p:cNvSpPr txBox="1"/>
-          <p:nvPr/>
-        </p:nvSpPr>
-        <p:spPr>
-          <a:xfrm>
-            <a:off x="1703512" y="1579420"/>
-            <a:ext cx="1152128" cy="1015663"/>
-          </a:xfrm>
-          <a:prstGeom prst="rect">
-            <a:avLst/>
-          </a:prstGeom>
-          <a:noFill/>
-        </p:spPr>
-        <p:txBody>
-          <a:bodyPr wrap="square" rtlCol="0">
-            <a:spAutoFit/>
-          </a:bodyPr>
-          <a:lstStyle/>
-          <a:p>
-            <a:r>
-              <a:rPr lang="en-US" sz="6000" b="1" dirty="0">
-                <a:solidFill>
-                  <a:srgbClr val="000066"/>
-                </a:solidFill>
-              </a:rPr>
-              <a:t>5</a:t>
-            </a:r>
-            <a:r>
-              <a:rPr lang="en-US" sz="6000" b="1" dirty="0" smtClean="0">
-                <a:solidFill>
-                  <a:srgbClr val="000066"/>
-                </a:solidFill>
-              </a:rPr>
-              <a:t>.</a:t>
-            </a:r>
-            <a:endParaRPr lang="vi-VN" sz="6000" b="1" dirty="0">
-              <a:solidFill>
-                <a:srgbClr val="000066"/>
-              </a:solidFill>
-            </a:endParaRPr>
-          </a:p>
-        </p:txBody>
-      </p:sp>
     </p:spTree>
+    <p:extLst>
+      <p:ext uri="{BB962C8B-B14F-4D97-AF65-F5344CB8AC3E}">
+        <p14:creationId xmlns:p14="http://schemas.microsoft.com/office/powerpoint/2010/main" val="2393314294"/>
+      </p:ext>
+    </p:extLst>
   </p:cSld>
   <p:clrMapOvr>
     <a:masterClrMapping/>
   </p:clrMapOvr>
+  <p:timing>
+    <p:tnLst>
+      <p:par>
+        <p:cTn id="1" dur="indefinite" restart="never" nodeType="tmRoot"/>
+      </p:par>
+    </p:tnLst>
+  </p:timing>
 </p:sld>
 </file>
 
